--- a/RTS.pptx
+++ b/RTS.pptx
@@ -5,7 +5,7 @@
     <p:sldMasterId id="2147483648" r:id="rId1"/>
   </p:sldMasterIdLst>
   <p:notesMasterIdLst>
-    <p:notesMasterId r:id="rId48"/>
+    <p:notesMasterId r:id="rId49"/>
   </p:notesMasterIdLst>
   <p:sldIdLst>
     <p:sldId id="256" r:id="rId2"/>
@@ -29,31 +29,32 @@
     <p:sldId id="308" r:id="rId20"/>
     <p:sldId id="307" r:id="rId21"/>
     <p:sldId id="309" r:id="rId22"/>
-    <p:sldId id="296" r:id="rId23"/>
-    <p:sldId id="269" r:id="rId24"/>
-    <p:sldId id="270" r:id="rId25"/>
-    <p:sldId id="290" r:id="rId26"/>
-    <p:sldId id="282" r:id="rId27"/>
-    <p:sldId id="283" r:id="rId28"/>
-    <p:sldId id="284" r:id="rId29"/>
-    <p:sldId id="286" r:id="rId30"/>
-    <p:sldId id="265" r:id="rId31"/>
-    <p:sldId id="271" r:id="rId32"/>
-    <p:sldId id="272" r:id="rId33"/>
-    <p:sldId id="297" r:id="rId34"/>
-    <p:sldId id="304" r:id="rId35"/>
-    <p:sldId id="298" r:id="rId36"/>
-    <p:sldId id="312" r:id="rId37"/>
-    <p:sldId id="311" r:id="rId38"/>
-    <p:sldId id="306" r:id="rId39"/>
-    <p:sldId id="274" r:id="rId40"/>
-    <p:sldId id="313" r:id="rId41"/>
-    <p:sldId id="314" r:id="rId42"/>
-    <p:sldId id="293" r:id="rId43"/>
-    <p:sldId id="292" r:id="rId44"/>
-    <p:sldId id="275" r:id="rId45"/>
-    <p:sldId id="294" r:id="rId46"/>
-    <p:sldId id="310" r:id="rId47"/>
+    <p:sldId id="315" r:id="rId23"/>
+    <p:sldId id="296" r:id="rId24"/>
+    <p:sldId id="269" r:id="rId25"/>
+    <p:sldId id="270" r:id="rId26"/>
+    <p:sldId id="290" r:id="rId27"/>
+    <p:sldId id="282" r:id="rId28"/>
+    <p:sldId id="283" r:id="rId29"/>
+    <p:sldId id="284" r:id="rId30"/>
+    <p:sldId id="286" r:id="rId31"/>
+    <p:sldId id="265" r:id="rId32"/>
+    <p:sldId id="271" r:id="rId33"/>
+    <p:sldId id="272" r:id="rId34"/>
+    <p:sldId id="297" r:id="rId35"/>
+    <p:sldId id="304" r:id="rId36"/>
+    <p:sldId id="298" r:id="rId37"/>
+    <p:sldId id="312" r:id="rId38"/>
+    <p:sldId id="311" r:id="rId39"/>
+    <p:sldId id="306" r:id="rId40"/>
+    <p:sldId id="274" r:id="rId41"/>
+    <p:sldId id="313" r:id="rId42"/>
+    <p:sldId id="314" r:id="rId43"/>
+    <p:sldId id="293" r:id="rId44"/>
+    <p:sldId id="292" r:id="rId45"/>
+    <p:sldId id="275" r:id="rId46"/>
+    <p:sldId id="294" r:id="rId47"/>
+    <p:sldId id="310" r:id="rId48"/>
   </p:sldIdLst>
   <p:sldSz cx="12192000" cy="6858000"/>
   <p:notesSz cx="6858000" cy="9144000"/>
@@ -2125,6 +2126,13 @@
         </dgm:presLayoutVars>
       </dgm:prSet>
       <dgm:spPr/>
+      <dgm:t>
+        <a:bodyPr/>
+        <a:lstStyle/>
+        <a:p>
+          <a:endParaRPr lang="ru-RU"/>
+        </a:p>
+      </dgm:t>
     </dgm:pt>
     <dgm:pt modelId="{6D4146AC-D5BE-4DC9-8EAF-69AFA2F9D26A}" type="pres">
       <dgm:prSet presAssocID="{8D9FC9F7-4B92-4248-9C4A-A3AAB595E2A1}" presName="hierFlow" presStyleCnt="0"/>
@@ -2151,6 +2159,13 @@
         </dgm:presLayoutVars>
       </dgm:prSet>
       <dgm:spPr/>
+      <dgm:t>
+        <a:bodyPr/>
+        <a:lstStyle/>
+        <a:p>
+          <a:endParaRPr lang="ru-RU"/>
+        </a:p>
+      </dgm:t>
     </dgm:pt>
     <dgm:pt modelId="{988C1E05-9111-4B10-BC51-53F97EC99F26}" type="pres">
       <dgm:prSet presAssocID="{95C53C08-9B49-4B0A-AC1D-B382A5B1A8F1}" presName="hierChild2" presStyleCnt="0"/>
@@ -2159,6 +2174,13 @@
     <dgm:pt modelId="{FB20D4D1-E4F1-4202-B63B-F644BC0738A8}" type="pres">
       <dgm:prSet presAssocID="{90ECC18C-01B5-451E-8F58-B4A740B8FA1F}" presName="Name19" presStyleLbl="parChTrans1D2" presStyleIdx="0" presStyleCnt="4"/>
       <dgm:spPr/>
+      <dgm:t>
+        <a:bodyPr/>
+        <a:lstStyle/>
+        <a:p>
+          <a:endParaRPr lang="ru-RU"/>
+        </a:p>
+      </dgm:t>
     </dgm:pt>
     <dgm:pt modelId="{4D3B10BE-DA80-4B69-BBAE-5537ADB297CA}" type="pres">
       <dgm:prSet presAssocID="{43AFD1E9-6405-44AA-902F-AD1213BC1067}" presName="Name21" presStyleCnt="0"/>
@@ -2182,6 +2204,13 @@
     <dgm:pt modelId="{45530CF1-31BA-4ED8-8AF2-AB23D2407E8F}" type="pres">
       <dgm:prSet presAssocID="{34029802-0C78-4CD1-B7EC-8104DB5716C9}" presName="Name19" presStyleLbl="parChTrans1D2" presStyleIdx="1" presStyleCnt="4"/>
       <dgm:spPr/>
+      <dgm:t>
+        <a:bodyPr/>
+        <a:lstStyle/>
+        <a:p>
+          <a:endParaRPr lang="ru-RU"/>
+        </a:p>
+      </dgm:t>
     </dgm:pt>
     <dgm:pt modelId="{D8DB849D-F8A5-4C89-AAE7-D0DE9E45297E}" type="pres">
       <dgm:prSet presAssocID="{3003FB9B-8001-43B8-BCCB-984070A45B6D}" presName="Name21" presStyleCnt="0"/>
@@ -2205,6 +2234,13 @@
     <dgm:pt modelId="{A8D95D75-0630-4940-86DB-1DC732D38DE2}" type="pres">
       <dgm:prSet presAssocID="{2DEF04DF-2D1B-418E-A615-6DA2F29683C7}" presName="Name19" presStyleLbl="parChTrans1D2" presStyleIdx="2" presStyleCnt="4"/>
       <dgm:spPr/>
+      <dgm:t>
+        <a:bodyPr/>
+        <a:lstStyle/>
+        <a:p>
+          <a:endParaRPr lang="ru-RU"/>
+        </a:p>
+      </dgm:t>
     </dgm:pt>
     <dgm:pt modelId="{1E06E1AF-2FD6-466C-A330-26E0FA5F4ED8}" type="pres">
       <dgm:prSet presAssocID="{DDED9150-9321-4BC4-B5DF-161CA5BD7743}" presName="Name21" presStyleCnt="0"/>
@@ -2228,6 +2264,13 @@
     <dgm:pt modelId="{FDB41CB4-A75D-4993-BD4D-914FA2A9A339}" type="pres">
       <dgm:prSet presAssocID="{076C68CA-9925-44CA-9C63-88EBEB8567B4}" presName="Name19" presStyleLbl="parChTrans1D3" presStyleIdx="0" presStyleCnt="3"/>
       <dgm:spPr/>
+      <dgm:t>
+        <a:bodyPr/>
+        <a:lstStyle/>
+        <a:p>
+          <a:endParaRPr lang="ru-RU"/>
+        </a:p>
+      </dgm:t>
     </dgm:pt>
     <dgm:pt modelId="{612E18F3-2CF3-4E63-8640-5BF46D2E4D56}" type="pres">
       <dgm:prSet presAssocID="{CC2082F2-72C8-4E14-BCFF-D86CFC42867C}" presName="Name21" presStyleCnt="0"/>
@@ -2251,6 +2294,13 @@
     <dgm:pt modelId="{20AA2B53-B2D7-4822-8ADE-AE5620B2F586}" type="pres">
       <dgm:prSet presAssocID="{C15A62ED-7681-48BF-BF93-B5A2F36A4EC2}" presName="Name19" presStyleLbl="parChTrans1D3" presStyleIdx="1" presStyleCnt="3"/>
       <dgm:spPr/>
+      <dgm:t>
+        <a:bodyPr/>
+        <a:lstStyle/>
+        <a:p>
+          <a:endParaRPr lang="ru-RU"/>
+        </a:p>
+      </dgm:t>
     </dgm:pt>
     <dgm:pt modelId="{DEE289F3-EEB1-401B-8FC6-40BC379CB284}" type="pres">
       <dgm:prSet presAssocID="{C471A1BA-B1EC-46C1-9C74-C01CE0A916A7}" presName="Name21" presStyleCnt="0"/>
@@ -2274,6 +2324,13 @@
     <dgm:pt modelId="{54746B30-91E0-4AA5-8950-0416A4475580}" type="pres">
       <dgm:prSet presAssocID="{07E1D92F-188D-4DDC-B3C3-7B5CA4B34E62}" presName="Name19" presStyleLbl="parChTrans1D4" presStyleIdx="0" presStyleCnt="1"/>
       <dgm:spPr/>
+      <dgm:t>
+        <a:bodyPr/>
+        <a:lstStyle/>
+        <a:p>
+          <a:endParaRPr lang="ru-RU"/>
+        </a:p>
+      </dgm:t>
     </dgm:pt>
     <dgm:pt modelId="{932696A9-C539-4C2A-BF0A-E46A9C83A852}" type="pres">
       <dgm:prSet presAssocID="{A3042D56-045F-475A-B201-A6AA639BA53A}" presName="Name21" presStyleCnt="0"/>
@@ -2327,6 +2384,13 @@
     <dgm:pt modelId="{0DCD80F5-DD12-4EE8-9626-8656E1A1E7C3}" type="pres">
       <dgm:prSet presAssocID="{5C55172F-4E1B-470D-8C20-5E903CA68B55}" presName="Name19" presStyleLbl="parChTrans1D2" presStyleIdx="3" presStyleCnt="4"/>
       <dgm:spPr/>
+      <dgm:t>
+        <a:bodyPr/>
+        <a:lstStyle/>
+        <a:p>
+          <a:endParaRPr lang="ru-RU"/>
+        </a:p>
+      </dgm:t>
     </dgm:pt>
     <dgm:pt modelId="{01815887-2BEC-4840-AD8F-D2700305FEBE}" type="pres">
       <dgm:prSet presAssocID="{42009880-9ACB-47E2-A344-EB5F9D953B99}" presName="Name21" presStyleCnt="0"/>
@@ -2353,33 +2417,33 @@
     </dgm:pt>
   </dgm:ptLst>
   <dgm:cxnLst>
+    <dgm:cxn modelId="{52861D84-9543-45AB-9D88-E0ABBFF3DA46}" type="presOf" srcId="{CC2082F2-72C8-4E14-BCFF-D86CFC42867C}" destId="{E572B34E-F6A0-4D3F-93EC-19C8D788728B}" srcOrd="0" destOrd="0" presId="urn:microsoft.com/office/officeart/2005/8/layout/hierarchy6"/>
+    <dgm:cxn modelId="{5E76819C-AD47-4F14-AB55-2D1AF7C0F7BE}" type="presOf" srcId="{9A724972-5F1C-406F-89C9-B53A64C0D69D}" destId="{F37838B2-E6BC-49BA-80FF-CAC401BDBEB9}" srcOrd="0" destOrd="0" presId="urn:microsoft.com/office/officeart/2005/8/layout/hierarchy6"/>
+    <dgm:cxn modelId="{4052242A-656A-478D-AA1A-AE26D9BA3507}" srcId="{DDED9150-9321-4BC4-B5DF-161CA5BD7743}" destId="{85A745CA-4308-4E7F-8554-4C044CB969C3}" srcOrd="2" destOrd="0" parTransId="{9A724972-5F1C-406F-89C9-B53A64C0D69D}" sibTransId="{4B1438B0-E556-4E90-B47B-05FEE0154B7B}"/>
+    <dgm:cxn modelId="{73184490-56AC-460A-885E-BF59662BDF52}" srcId="{95C53C08-9B49-4B0A-AC1D-B382A5B1A8F1}" destId="{42009880-9ACB-47E2-A344-EB5F9D953B99}" srcOrd="3" destOrd="0" parTransId="{5C55172F-4E1B-470D-8C20-5E903CA68B55}" sibTransId="{042A8FF2-A125-4B16-8AFA-4463EEEC6699}"/>
+    <dgm:cxn modelId="{8D3B3021-789A-4ECC-85B9-A0C1AFB1C494}" type="presOf" srcId="{DDED9150-9321-4BC4-B5DF-161CA5BD7743}" destId="{8563EEC0-DE9C-4DBC-B93C-14C685C19DE5}" srcOrd="0" destOrd="0" presId="urn:microsoft.com/office/officeart/2005/8/layout/hierarchy6"/>
+    <dgm:cxn modelId="{69FECB81-33B4-4703-90D3-2C8AAA3037CE}" srcId="{95C53C08-9B49-4B0A-AC1D-B382A5B1A8F1}" destId="{DDED9150-9321-4BC4-B5DF-161CA5BD7743}" srcOrd="2" destOrd="0" parTransId="{2DEF04DF-2D1B-418E-A615-6DA2F29683C7}" sibTransId="{A7F037D8-6E77-4CBC-AE52-1138E02C9D3B}"/>
+    <dgm:cxn modelId="{1B52D228-6056-4495-8845-F32BCAF780CC}" type="presOf" srcId="{C471A1BA-B1EC-46C1-9C74-C01CE0A916A7}" destId="{AF6E07B5-5725-41DF-B796-72B27CE573D0}" srcOrd="0" destOrd="0" presId="urn:microsoft.com/office/officeart/2005/8/layout/hierarchy6"/>
+    <dgm:cxn modelId="{008CB2B6-B602-42A0-B20D-B157E8E4924A}" srcId="{DDED9150-9321-4BC4-B5DF-161CA5BD7743}" destId="{C471A1BA-B1EC-46C1-9C74-C01CE0A916A7}" srcOrd="1" destOrd="0" parTransId="{C15A62ED-7681-48BF-BF93-B5A2F36A4EC2}" sibTransId="{947F427C-1A0D-4E9A-9F94-B141ED3847D5}"/>
+    <dgm:cxn modelId="{25AB5636-E0A8-4CD8-BD4E-32E787FEBAD5}" type="presOf" srcId="{42009880-9ACB-47E2-A344-EB5F9D953B99}" destId="{64F2EC3B-D4DE-4FB6-B3CA-E4825997D558}" srcOrd="0" destOrd="0" presId="urn:microsoft.com/office/officeart/2005/8/layout/hierarchy6"/>
+    <dgm:cxn modelId="{F8CF85F3-5C16-4A9B-B4FA-4A796858FEB6}" type="presOf" srcId="{2DEF04DF-2D1B-418E-A615-6DA2F29683C7}" destId="{A8D95D75-0630-4940-86DB-1DC732D38DE2}" srcOrd="0" destOrd="0" presId="urn:microsoft.com/office/officeart/2005/8/layout/hierarchy6"/>
+    <dgm:cxn modelId="{458CA508-33BA-4155-A0E6-B79499BFD1F1}" type="presOf" srcId="{85A745CA-4308-4E7F-8554-4C044CB969C3}" destId="{CA1F3506-52B0-4834-A93F-A4CB9EFB48FD}" srcOrd="0" destOrd="0" presId="urn:microsoft.com/office/officeart/2005/8/layout/hierarchy6"/>
+    <dgm:cxn modelId="{6F977375-8E6A-4C08-861C-DFA9765F6612}" srcId="{8D9FC9F7-4B92-4248-9C4A-A3AAB595E2A1}" destId="{95C53C08-9B49-4B0A-AC1D-B382A5B1A8F1}" srcOrd="0" destOrd="0" parTransId="{52584152-BA40-45F4-9D94-CD131780B796}" sibTransId="{FF4F92FD-7A24-4488-8177-8FF8D351C5D8}"/>
+    <dgm:cxn modelId="{80D53033-6836-4F7C-B1E3-B2A4CDCD385B}" type="presOf" srcId="{34029802-0C78-4CD1-B7EC-8104DB5716C9}" destId="{45530CF1-31BA-4ED8-8AF2-AB23D2407E8F}" srcOrd="0" destOrd="0" presId="urn:microsoft.com/office/officeart/2005/8/layout/hierarchy6"/>
+    <dgm:cxn modelId="{45445195-C64C-4BCE-95C1-A1B288DAE62B}" type="presOf" srcId="{076C68CA-9925-44CA-9C63-88EBEB8567B4}" destId="{FDB41CB4-A75D-4993-BD4D-914FA2A9A339}" srcOrd="0" destOrd="0" presId="urn:microsoft.com/office/officeart/2005/8/layout/hierarchy6"/>
+    <dgm:cxn modelId="{392CF600-B27C-415C-80A4-9D488E3FC8FC}" srcId="{95C53C08-9B49-4B0A-AC1D-B382A5B1A8F1}" destId="{3003FB9B-8001-43B8-BCCB-984070A45B6D}" srcOrd="1" destOrd="0" parTransId="{34029802-0C78-4CD1-B7EC-8104DB5716C9}" sibTransId="{3B474E12-29D8-4FFD-9425-C176FE51F378}"/>
+    <dgm:cxn modelId="{A764D039-0204-444B-8814-8FD45C2C3A77}" srcId="{95C53C08-9B49-4B0A-AC1D-B382A5B1A8F1}" destId="{43AFD1E9-6405-44AA-902F-AD1213BC1067}" srcOrd="0" destOrd="0" parTransId="{90ECC18C-01B5-451E-8F58-B4A740B8FA1F}" sibTransId="{9FEABFF9-6EE2-42FF-B051-28AE76761062}"/>
+    <dgm:cxn modelId="{BA25CAFF-F06C-4379-908A-3BB914B4DF18}" type="presOf" srcId="{A3042D56-045F-475A-B201-A6AA639BA53A}" destId="{60113BD4-A9A0-4FD6-A766-EC311796D26B}" srcOrd="0" destOrd="0" presId="urn:microsoft.com/office/officeart/2005/8/layout/hierarchy6"/>
+    <dgm:cxn modelId="{644F8E65-1EA0-4008-9029-C69485EB91B2}" srcId="{C471A1BA-B1EC-46C1-9C74-C01CE0A916A7}" destId="{A3042D56-045F-475A-B201-A6AA639BA53A}" srcOrd="0" destOrd="0" parTransId="{07E1D92F-188D-4DDC-B3C3-7B5CA4B34E62}" sibTransId="{924353D9-072C-46BB-9D29-EDD25BAB95A9}"/>
+    <dgm:cxn modelId="{E9481254-2DA7-4FB8-AEA0-DB9DFB53E2C5}" type="presOf" srcId="{90ECC18C-01B5-451E-8F58-B4A740B8FA1F}" destId="{FB20D4D1-E4F1-4202-B63B-F644BC0738A8}" srcOrd="0" destOrd="0" presId="urn:microsoft.com/office/officeart/2005/8/layout/hierarchy6"/>
+    <dgm:cxn modelId="{E6EB2367-98EF-4781-9FD2-1CDD78511423}" type="presOf" srcId="{5C55172F-4E1B-470D-8C20-5E903CA68B55}" destId="{0DCD80F5-DD12-4EE8-9626-8656E1A1E7C3}" srcOrd="0" destOrd="0" presId="urn:microsoft.com/office/officeart/2005/8/layout/hierarchy6"/>
     <dgm:cxn modelId="{557B28BD-D15A-4F1D-84B1-D11BCB97D534}" type="presOf" srcId="{07E1D92F-188D-4DDC-B3C3-7B5CA4B34E62}" destId="{54746B30-91E0-4AA5-8950-0416A4475580}" srcOrd="0" destOrd="0" presId="urn:microsoft.com/office/officeart/2005/8/layout/hierarchy6"/>
-    <dgm:cxn modelId="{F8CF85F3-5C16-4A9B-B4FA-4A796858FEB6}" type="presOf" srcId="{2DEF04DF-2D1B-418E-A615-6DA2F29683C7}" destId="{A8D95D75-0630-4940-86DB-1DC732D38DE2}" srcOrd="0" destOrd="0" presId="urn:microsoft.com/office/officeart/2005/8/layout/hierarchy6"/>
+    <dgm:cxn modelId="{CB5D9645-6A25-421B-99A1-DDD5BF614B30}" type="presOf" srcId="{8D9FC9F7-4B92-4248-9C4A-A3AAB595E2A1}" destId="{A38CC2E0-CDC5-4361-A1DF-D54ADFC80A79}" srcOrd="0" destOrd="0" presId="urn:microsoft.com/office/officeart/2005/8/layout/hierarchy6"/>
     <dgm:cxn modelId="{CE906F46-4C4E-464A-B1D1-21DF8381F21C}" type="presOf" srcId="{43AFD1E9-6405-44AA-902F-AD1213BC1067}" destId="{A2DB2009-F1BE-47AA-ABC8-DF1B76852803}" srcOrd="0" destOrd="0" presId="urn:microsoft.com/office/officeart/2005/8/layout/hierarchy6"/>
-    <dgm:cxn modelId="{A764D039-0204-444B-8814-8FD45C2C3A77}" srcId="{95C53C08-9B49-4B0A-AC1D-B382A5B1A8F1}" destId="{43AFD1E9-6405-44AA-902F-AD1213BC1067}" srcOrd="0" destOrd="0" parTransId="{90ECC18C-01B5-451E-8F58-B4A740B8FA1F}" sibTransId="{9FEABFF9-6EE2-42FF-B051-28AE76761062}"/>
-    <dgm:cxn modelId="{E9481254-2DA7-4FB8-AEA0-DB9DFB53E2C5}" type="presOf" srcId="{90ECC18C-01B5-451E-8F58-B4A740B8FA1F}" destId="{FB20D4D1-E4F1-4202-B63B-F644BC0738A8}" srcOrd="0" destOrd="0" presId="urn:microsoft.com/office/officeart/2005/8/layout/hierarchy6"/>
-    <dgm:cxn modelId="{392CF600-B27C-415C-80A4-9D488E3FC8FC}" srcId="{95C53C08-9B49-4B0A-AC1D-B382A5B1A8F1}" destId="{3003FB9B-8001-43B8-BCCB-984070A45B6D}" srcOrd="1" destOrd="0" parTransId="{34029802-0C78-4CD1-B7EC-8104DB5716C9}" sibTransId="{3B474E12-29D8-4FFD-9425-C176FE51F378}"/>
     <dgm:cxn modelId="{5CC2FF80-74C9-434A-9119-02209E1D1948}" type="presOf" srcId="{95C53C08-9B49-4B0A-AC1D-B382A5B1A8F1}" destId="{0605F95A-CA0F-4BD1-8101-30A8DA46DE65}" srcOrd="0" destOrd="0" presId="urn:microsoft.com/office/officeart/2005/8/layout/hierarchy6"/>
+    <dgm:cxn modelId="{64814A31-75B0-4D86-9A1F-7F7221A08438}" type="presOf" srcId="{3003FB9B-8001-43B8-BCCB-984070A45B6D}" destId="{804EC832-75B6-4BBD-A91D-C0E9A46B6359}" srcOrd="0" destOrd="0" presId="urn:microsoft.com/office/officeart/2005/8/layout/hierarchy6"/>
+    <dgm:cxn modelId="{DBA8A7B2-148C-4B73-9841-4017145A91DA}" srcId="{DDED9150-9321-4BC4-B5DF-161CA5BD7743}" destId="{CC2082F2-72C8-4E14-BCFF-D86CFC42867C}" srcOrd="0" destOrd="0" parTransId="{076C68CA-9925-44CA-9C63-88EBEB8567B4}" sibTransId="{E75B5CE4-45AF-4F8E-A5FB-400C38CBD1AC}"/>
     <dgm:cxn modelId="{0B0A3C4D-D724-428A-BF87-E5DD4016D822}" type="presOf" srcId="{C15A62ED-7681-48BF-BF93-B5A2F36A4EC2}" destId="{20AA2B53-B2D7-4822-8ADE-AE5620B2F586}" srcOrd="0" destOrd="0" presId="urn:microsoft.com/office/officeart/2005/8/layout/hierarchy6"/>
-    <dgm:cxn modelId="{64814A31-75B0-4D86-9A1F-7F7221A08438}" type="presOf" srcId="{3003FB9B-8001-43B8-BCCB-984070A45B6D}" destId="{804EC832-75B6-4BBD-A91D-C0E9A46B6359}" srcOrd="0" destOrd="0" presId="urn:microsoft.com/office/officeart/2005/8/layout/hierarchy6"/>
-    <dgm:cxn modelId="{25AB5636-E0A8-4CD8-BD4E-32E787FEBAD5}" type="presOf" srcId="{42009880-9ACB-47E2-A344-EB5F9D953B99}" destId="{64F2EC3B-D4DE-4FB6-B3CA-E4825997D558}" srcOrd="0" destOrd="0" presId="urn:microsoft.com/office/officeart/2005/8/layout/hierarchy6"/>
-    <dgm:cxn modelId="{DBA8A7B2-148C-4B73-9841-4017145A91DA}" srcId="{DDED9150-9321-4BC4-B5DF-161CA5BD7743}" destId="{CC2082F2-72C8-4E14-BCFF-D86CFC42867C}" srcOrd="0" destOrd="0" parTransId="{076C68CA-9925-44CA-9C63-88EBEB8567B4}" sibTransId="{E75B5CE4-45AF-4F8E-A5FB-400C38CBD1AC}"/>
-    <dgm:cxn modelId="{458CA508-33BA-4155-A0E6-B79499BFD1F1}" type="presOf" srcId="{85A745CA-4308-4E7F-8554-4C044CB969C3}" destId="{CA1F3506-52B0-4834-A93F-A4CB9EFB48FD}" srcOrd="0" destOrd="0" presId="urn:microsoft.com/office/officeart/2005/8/layout/hierarchy6"/>
-    <dgm:cxn modelId="{52861D84-9543-45AB-9D88-E0ABBFF3DA46}" type="presOf" srcId="{CC2082F2-72C8-4E14-BCFF-D86CFC42867C}" destId="{E572B34E-F6A0-4D3F-93EC-19C8D788728B}" srcOrd="0" destOrd="0" presId="urn:microsoft.com/office/officeart/2005/8/layout/hierarchy6"/>
-    <dgm:cxn modelId="{73184490-56AC-460A-885E-BF59662BDF52}" srcId="{95C53C08-9B49-4B0A-AC1D-B382A5B1A8F1}" destId="{42009880-9ACB-47E2-A344-EB5F9D953B99}" srcOrd="3" destOrd="0" parTransId="{5C55172F-4E1B-470D-8C20-5E903CA68B55}" sibTransId="{042A8FF2-A125-4B16-8AFA-4463EEEC6699}"/>
-    <dgm:cxn modelId="{6F977375-8E6A-4C08-861C-DFA9765F6612}" srcId="{8D9FC9F7-4B92-4248-9C4A-A3AAB595E2A1}" destId="{95C53C08-9B49-4B0A-AC1D-B382A5B1A8F1}" srcOrd="0" destOrd="0" parTransId="{52584152-BA40-45F4-9D94-CD131780B796}" sibTransId="{FF4F92FD-7A24-4488-8177-8FF8D351C5D8}"/>
-    <dgm:cxn modelId="{69FECB81-33B4-4703-90D3-2C8AAA3037CE}" srcId="{95C53C08-9B49-4B0A-AC1D-B382A5B1A8F1}" destId="{DDED9150-9321-4BC4-B5DF-161CA5BD7743}" srcOrd="2" destOrd="0" parTransId="{2DEF04DF-2D1B-418E-A615-6DA2F29683C7}" sibTransId="{A7F037D8-6E77-4CBC-AE52-1138E02C9D3B}"/>
-    <dgm:cxn modelId="{4052242A-656A-478D-AA1A-AE26D9BA3507}" srcId="{DDED9150-9321-4BC4-B5DF-161CA5BD7743}" destId="{85A745CA-4308-4E7F-8554-4C044CB969C3}" srcOrd="2" destOrd="0" parTransId="{9A724972-5F1C-406F-89C9-B53A64C0D69D}" sibTransId="{4B1438B0-E556-4E90-B47B-05FEE0154B7B}"/>
-    <dgm:cxn modelId="{5E76819C-AD47-4F14-AB55-2D1AF7C0F7BE}" type="presOf" srcId="{9A724972-5F1C-406F-89C9-B53A64C0D69D}" destId="{F37838B2-E6BC-49BA-80FF-CAC401BDBEB9}" srcOrd="0" destOrd="0" presId="urn:microsoft.com/office/officeart/2005/8/layout/hierarchy6"/>
-    <dgm:cxn modelId="{8D3B3021-789A-4ECC-85B9-A0C1AFB1C494}" type="presOf" srcId="{DDED9150-9321-4BC4-B5DF-161CA5BD7743}" destId="{8563EEC0-DE9C-4DBC-B93C-14C685C19DE5}" srcOrd="0" destOrd="0" presId="urn:microsoft.com/office/officeart/2005/8/layout/hierarchy6"/>
-    <dgm:cxn modelId="{644F8E65-1EA0-4008-9029-C69485EB91B2}" srcId="{C471A1BA-B1EC-46C1-9C74-C01CE0A916A7}" destId="{A3042D56-045F-475A-B201-A6AA639BA53A}" srcOrd="0" destOrd="0" parTransId="{07E1D92F-188D-4DDC-B3C3-7B5CA4B34E62}" sibTransId="{924353D9-072C-46BB-9D29-EDD25BAB95A9}"/>
-    <dgm:cxn modelId="{E6EB2367-98EF-4781-9FD2-1CDD78511423}" type="presOf" srcId="{5C55172F-4E1B-470D-8C20-5E903CA68B55}" destId="{0DCD80F5-DD12-4EE8-9626-8656E1A1E7C3}" srcOrd="0" destOrd="0" presId="urn:microsoft.com/office/officeart/2005/8/layout/hierarchy6"/>
-    <dgm:cxn modelId="{80D53033-6836-4F7C-B1E3-B2A4CDCD385B}" type="presOf" srcId="{34029802-0C78-4CD1-B7EC-8104DB5716C9}" destId="{45530CF1-31BA-4ED8-8AF2-AB23D2407E8F}" srcOrd="0" destOrd="0" presId="urn:microsoft.com/office/officeart/2005/8/layout/hierarchy6"/>
-    <dgm:cxn modelId="{008CB2B6-B602-42A0-B20D-B157E8E4924A}" srcId="{DDED9150-9321-4BC4-B5DF-161CA5BD7743}" destId="{C471A1BA-B1EC-46C1-9C74-C01CE0A916A7}" srcOrd="1" destOrd="0" parTransId="{C15A62ED-7681-48BF-BF93-B5A2F36A4EC2}" sibTransId="{947F427C-1A0D-4E9A-9F94-B141ED3847D5}"/>
-    <dgm:cxn modelId="{45445195-C64C-4BCE-95C1-A1B288DAE62B}" type="presOf" srcId="{076C68CA-9925-44CA-9C63-88EBEB8567B4}" destId="{FDB41CB4-A75D-4993-BD4D-914FA2A9A339}" srcOrd="0" destOrd="0" presId="urn:microsoft.com/office/officeart/2005/8/layout/hierarchy6"/>
-    <dgm:cxn modelId="{BA25CAFF-F06C-4379-908A-3BB914B4DF18}" type="presOf" srcId="{A3042D56-045F-475A-B201-A6AA639BA53A}" destId="{60113BD4-A9A0-4FD6-A766-EC311796D26B}" srcOrd="0" destOrd="0" presId="urn:microsoft.com/office/officeart/2005/8/layout/hierarchy6"/>
-    <dgm:cxn modelId="{1B52D228-6056-4495-8845-F32BCAF780CC}" type="presOf" srcId="{C471A1BA-B1EC-46C1-9C74-C01CE0A916A7}" destId="{AF6E07B5-5725-41DF-B796-72B27CE573D0}" srcOrd="0" destOrd="0" presId="urn:microsoft.com/office/officeart/2005/8/layout/hierarchy6"/>
-    <dgm:cxn modelId="{CB5D9645-6A25-421B-99A1-DDD5BF614B30}" type="presOf" srcId="{8D9FC9F7-4B92-4248-9C4A-A3AAB595E2A1}" destId="{A38CC2E0-CDC5-4361-A1DF-D54ADFC80A79}" srcOrd="0" destOrd="0" presId="urn:microsoft.com/office/officeart/2005/8/layout/hierarchy6"/>
     <dgm:cxn modelId="{58E4134D-996F-4F00-A7BC-678D61E5B8DA}" type="presParOf" srcId="{A38CC2E0-CDC5-4361-A1DF-D54ADFC80A79}" destId="{6D4146AC-D5BE-4DC9-8EAF-69AFA2F9D26A}" srcOrd="0" destOrd="0" presId="urn:microsoft.com/office/officeart/2005/8/layout/hierarchy6"/>
     <dgm:cxn modelId="{F66596DD-2AB4-4ABC-933C-C408CED6CA0F}" type="presParOf" srcId="{6D4146AC-D5BE-4DC9-8EAF-69AFA2F9D26A}" destId="{5383C7FF-324E-43CB-A7B2-5CB904C4B14D}" srcOrd="0" destOrd="0" presId="urn:microsoft.com/office/officeart/2005/8/layout/hierarchy6"/>
     <dgm:cxn modelId="{0FBF361E-31AC-4747-B601-9010E16F457E}" type="presParOf" srcId="{5383C7FF-324E-43CB-A7B2-5CB904C4B14D}" destId="{4F4215C9-D9AB-4A53-81A7-36627CD0C223}" srcOrd="0" destOrd="0" presId="urn:microsoft.com/office/officeart/2005/8/layout/hierarchy6"/>
@@ -2954,6 +3018,13 @@
         </dgm:presLayoutVars>
       </dgm:prSet>
       <dgm:spPr/>
+      <dgm:t>
+        <a:bodyPr/>
+        <a:lstStyle/>
+        <a:p>
+          <a:endParaRPr lang="ru-RU"/>
+        </a:p>
+      </dgm:t>
     </dgm:pt>
     <dgm:pt modelId="{6D4146AC-D5BE-4DC9-8EAF-69AFA2F9D26A}" type="pres">
       <dgm:prSet presAssocID="{8D9FC9F7-4B92-4248-9C4A-A3AAB595E2A1}" presName="hierFlow" presStyleCnt="0"/>
@@ -2980,6 +3051,13 @@
         </dgm:presLayoutVars>
       </dgm:prSet>
       <dgm:spPr/>
+      <dgm:t>
+        <a:bodyPr/>
+        <a:lstStyle/>
+        <a:p>
+          <a:endParaRPr lang="ru-RU"/>
+        </a:p>
+      </dgm:t>
     </dgm:pt>
     <dgm:pt modelId="{4D0DF545-55BE-461F-BB89-22B715DF277B}" type="pres">
       <dgm:prSet presAssocID="{9F1396F1-7E85-4075-8637-037279D128CE}" presName="hierChild2" presStyleCnt="0"/>
@@ -2988,6 +3066,13 @@
     <dgm:pt modelId="{45AA592C-34EA-4955-9757-15291DC858C2}" type="pres">
       <dgm:prSet presAssocID="{52584152-BA40-45F4-9D94-CD131780B796}" presName="Name19" presStyleLbl="parChTrans1D2" presStyleIdx="0" presStyleCnt="1"/>
       <dgm:spPr/>
+      <dgm:t>
+        <a:bodyPr/>
+        <a:lstStyle/>
+        <a:p>
+          <a:endParaRPr lang="ru-RU"/>
+        </a:p>
+      </dgm:t>
     </dgm:pt>
     <dgm:pt modelId="{940C1D96-1C2F-4C09-88EC-57F74E32B678}" type="pres">
       <dgm:prSet presAssocID="{95C53C08-9B49-4B0A-AC1D-B382A5B1A8F1}" presName="Name21" presStyleCnt="0"/>
@@ -2996,6 +3081,13 @@
     <dgm:pt modelId="{F13A2373-EA8F-4E3F-8C7D-B7B467778A96}" type="pres">
       <dgm:prSet presAssocID="{95C53C08-9B49-4B0A-AC1D-B382A5B1A8F1}" presName="level2Shape" presStyleLbl="node2" presStyleIdx="0" presStyleCnt="1" custScaleX="144322" custScaleY="139765" custLinFactX="-189837" custLinFactNeighborX="-200000" custLinFactNeighborY="-8331"/>
       <dgm:spPr/>
+      <dgm:t>
+        <a:bodyPr/>
+        <a:lstStyle/>
+        <a:p>
+          <a:endParaRPr lang="ru-RU"/>
+        </a:p>
+      </dgm:t>
     </dgm:pt>
     <dgm:pt modelId="{B4488AE0-2D10-4773-A1D9-BEC5764388A9}" type="pres">
       <dgm:prSet presAssocID="{95C53C08-9B49-4B0A-AC1D-B382A5B1A8F1}" presName="hierChild3" presStyleCnt="0"/>
@@ -3004,6 +3096,13 @@
     <dgm:pt modelId="{FB20D4D1-E4F1-4202-B63B-F644BC0738A8}" type="pres">
       <dgm:prSet presAssocID="{90ECC18C-01B5-451E-8F58-B4A740B8FA1F}" presName="Name19" presStyleLbl="parChTrans1D3" presStyleIdx="0" presStyleCnt="3"/>
       <dgm:spPr/>
+      <dgm:t>
+        <a:bodyPr/>
+        <a:lstStyle/>
+        <a:p>
+          <a:endParaRPr lang="ru-RU"/>
+        </a:p>
+      </dgm:t>
     </dgm:pt>
     <dgm:pt modelId="{4D3B10BE-DA80-4B69-BBAE-5537ADB297CA}" type="pres">
       <dgm:prSet presAssocID="{43AFD1E9-6405-44AA-902F-AD1213BC1067}" presName="Name21" presStyleCnt="0"/>
@@ -3027,6 +3126,13 @@
     <dgm:pt modelId="{45530CF1-31BA-4ED8-8AF2-AB23D2407E8F}" type="pres">
       <dgm:prSet presAssocID="{34029802-0C78-4CD1-B7EC-8104DB5716C9}" presName="Name19" presStyleLbl="parChTrans1D3" presStyleIdx="1" presStyleCnt="3"/>
       <dgm:spPr/>
+      <dgm:t>
+        <a:bodyPr/>
+        <a:lstStyle/>
+        <a:p>
+          <a:endParaRPr lang="ru-RU"/>
+        </a:p>
+      </dgm:t>
     </dgm:pt>
     <dgm:pt modelId="{D8DB849D-F8A5-4C89-AAE7-D0DE9E45297E}" type="pres">
       <dgm:prSet presAssocID="{3003FB9B-8001-43B8-BCCB-984070A45B6D}" presName="Name21" presStyleCnt="0"/>
@@ -3050,6 +3156,13 @@
     <dgm:pt modelId="{6655A440-05A9-49D5-82FE-950665CB1ABE}" type="pres">
       <dgm:prSet presAssocID="{B549941C-4143-4452-913F-793844A91B14}" presName="Name19" presStyleLbl="parChTrans1D3" presStyleIdx="2" presStyleCnt="3"/>
       <dgm:spPr/>
+      <dgm:t>
+        <a:bodyPr/>
+        <a:lstStyle/>
+        <a:p>
+          <a:endParaRPr lang="ru-RU"/>
+        </a:p>
+      </dgm:t>
     </dgm:pt>
     <dgm:pt modelId="{48184EBC-D481-4E4F-8C1D-6FEB79DEAB5C}" type="pres">
       <dgm:prSet presAssocID="{6EEF4EC0-3E3C-4420-9F4F-4CDE4EB558A6}" presName="Name21" presStyleCnt="0"/>
@@ -3073,6 +3186,13 @@
     <dgm:pt modelId="{7DD9B58E-F700-40A3-8943-211E8C70CB99}" type="pres">
       <dgm:prSet presAssocID="{3925FABB-816E-40C5-AB32-DFBE98065925}" presName="Name19" presStyleLbl="parChTrans1D4" presStyleIdx="0" presStyleCnt="7"/>
       <dgm:spPr/>
+      <dgm:t>
+        <a:bodyPr/>
+        <a:lstStyle/>
+        <a:p>
+          <a:endParaRPr lang="ru-RU"/>
+        </a:p>
+      </dgm:t>
     </dgm:pt>
     <dgm:pt modelId="{C2DB8E12-9751-4E2E-A24D-1585AF9D9BA1}" type="pres">
       <dgm:prSet presAssocID="{2E26D9DA-B1A2-4DE8-8C6D-84CF26FF398E}" presName="Name21" presStyleCnt="0"/>
@@ -3096,6 +3216,13 @@
     <dgm:pt modelId="{A8D95D75-0630-4940-86DB-1DC732D38DE2}" type="pres">
       <dgm:prSet presAssocID="{2DEF04DF-2D1B-418E-A615-6DA2F29683C7}" presName="Name19" presStyleLbl="parChTrans1D4" presStyleIdx="1" presStyleCnt="7"/>
       <dgm:spPr/>
+      <dgm:t>
+        <a:bodyPr/>
+        <a:lstStyle/>
+        <a:p>
+          <a:endParaRPr lang="ru-RU"/>
+        </a:p>
+      </dgm:t>
     </dgm:pt>
     <dgm:pt modelId="{1E06E1AF-2FD6-466C-A330-26E0FA5F4ED8}" type="pres">
       <dgm:prSet presAssocID="{DDED9150-9321-4BC4-B5DF-161CA5BD7743}" presName="Name21" presStyleCnt="0"/>
@@ -3119,6 +3246,13 @@
     <dgm:pt modelId="{FDB41CB4-A75D-4993-BD4D-914FA2A9A339}" type="pres">
       <dgm:prSet presAssocID="{076C68CA-9925-44CA-9C63-88EBEB8567B4}" presName="Name19" presStyleLbl="parChTrans1D4" presStyleIdx="2" presStyleCnt="7"/>
       <dgm:spPr/>
+      <dgm:t>
+        <a:bodyPr/>
+        <a:lstStyle/>
+        <a:p>
+          <a:endParaRPr lang="ru-RU"/>
+        </a:p>
+      </dgm:t>
     </dgm:pt>
     <dgm:pt modelId="{612E18F3-2CF3-4E63-8640-5BF46D2E4D56}" type="pres">
       <dgm:prSet presAssocID="{CC2082F2-72C8-4E14-BCFF-D86CFC42867C}" presName="Name21" presStyleCnt="0"/>
@@ -3142,6 +3276,13 @@
     <dgm:pt modelId="{20AA2B53-B2D7-4822-8ADE-AE5620B2F586}" type="pres">
       <dgm:prSet presAssocID="{C15A62ED-7681-48BF-BF93-B5A2F36A4EC2}" presName="Name19" presStyleLbl="parChTrans1D4" presStyleIdx="3" presStyleCnt="7"/>
       <dgm:spPr/>
+      <dgm:t>
+        <a:bodyPr/>
+        <a:lstStyle/>
+        <a:p>
+          <a:endParaRPr lang="ru-RU"/>
+        </a:p>
+      </dgm:t>
     </dgm:pt>
     <dgm:pt modelId="{DEE289F3-EEB1-401B-8FC6-40BC379CB284}" type="pres">
       <dgm:prSet presAssocID="{C471A1BA-B1EC-46C1-9C74-C01CE0A916A7}" presName="Name21" presStyleCnt="0"/>
@@ -3165,6 +3306,13 @@
     <dgm:pt modelId="{82C5F424-B216-4758-9DE0-5BB2B4280589}" type="pres">
       <dgm:prSet presAssocID="{1DA52962-E703-418E-BD69-C4E7DA1D4837}" presName="Name19" presStyleLbl="parChTrans1D4" presStyleIdx="4" presStyleCnt="7"/>
       <dgm:spPr/>
+      <dgm:t>
+        <a:bodyPr/>
+        <a:lstStyle/>
+        <a:p>
+          <a:endParaRPr lang="ru-RU"/>
+        </a:p>
+      </dgm:t>
     </dgm:pt>
     <dgm:pt modelId="{FC291439-B1DB-4654-B7A2-5E3C2FEA6F32}" type="pres">
       <dgm:prSet presAssocID="{AFA21B1F-1E01-4A4F-8B3D-417E46081446}" presName="Name21" presStyleCnt="0"/>
@@ -3188,6 +3336,13 @@
     <dgm:pt modelId="{0DCD80F5-DD12-4EE8-9626-8656E1A1E7C3}" type="pres">
       <dgm:prSet presAssocID="{5C55172F-4E1B-470D-8C20-5E903CA68B55}" presName="Name19" presStyleLbl="parChTrans1D4" presStyleIdx="5" presStyleCnt="7"/>
       <dgm:spPr/>
+      <dgm:t>
+        <a:bodyPr/>
+        <a:lstStyle/>
+        <a:p>
+          <a:endParaRPr lang="ru-RU"/>
+        </a:p>
+      </dgm:t>
     </dgm:pt>
     <dgm:pt modelId="{01815887-2BEC-4840-AD8F-D2700305FEBE}" type="pres">
       <dgm:prSet presAssocID="{42009880-9ACB-47E2-A344-EB5F9D953B99}" presName="Name21" presStyleCnt="0"/>
@@ -3211,6 +3366,13 @@
     <dgm:pt modelId="{A0CF71D7-E285-4AFF-AF8D-1E5061467ED0}" type="pres">
       <dgm:prSet presAssocID="{AD2492F8-93DC-402D-BFB3-07E3AD28E1AC}" presName="Name19" presStyleLbl="parChTrans1D4" presStyleIdx="6" presStyleCnt="7"/>
       <dgm:spPr/>
+      <dgm:t>
+        <a:bodyPr/>
+        <a:lstStyle/>
+        <a:p>
+          <a:endParaRPr lang="ru-RU"/>
+        </a:p>
+      </dgm:t>
     </dgm:pt>
     <dgm:pt modelId="{8A34F6F1-601E-4452-AFC9-41D4E05E5AB4}" type="pres">
       <dgm:prSet presAssocID="{535606BE-8261-41F2-BD06-409626629328}" presName="Name21" presStyleCnt="0"/>
@@ -3237,42 +3399,42 @@
     </dgm:pt>
   </dgm:ptLst>
   <dgm:cxnLst>
-    <dgm:cxn modelId="{0745FE39-1089-4D94-808D-2B29666D136B}" type="presOf" srcId="{43AFD1E9-6405-44AA-902F-AD1213BC1067}" destId="{A2DB2009-F1BE-47AA-ABC8-DF1B76852803}" srcOrd="0" destOrd="0" presId="urn:microsoft.com/office/officeart/2005/8/layout/hierarchy6"/>
-    <dgm:cxn modelId="{BC86D1DE-0F15-45F3-A6B4-8092E062EA0D}" type="presOf" srcId="{DDED9150-9321-4BC4-B5DF-161CA5BD7743}" destId="{8563EEC0-DE9C-4DBC-B93C-14C685C19DE5}" srcOrd="0" destOrd="0" presId="urn:microsoft.com/office/officeart/2005/8/layout/hierarchy6"/>
-    <dgm:cxn modelId="{3EFDBDC8-FADB-4554-8BD0-7006C5DE4877}" srcId="{95C53C08-9B49-4B0A-AC1D-B382A5B1A8F1}" destId="{6EEF4EC0-3E3C-4420-9F4F-4CDE4EB558A6}" srcOrd="2" destOrd="0" parTransId="{B549941C-4143-4452-913F-793844A91B14}" sibTransId="{E59703A6-014B-44E3-AEBF-B791DA7BAF48}"/>
-    <dgm:cxn modelId="{20F7CB03-F07D-4889-BC47-D0A1198E26C3}" srcId="{42009880-9ACB-47E2-A344-EB5F9D953B99}" destId="{535606BE-8261-41F2-BD06-409626629328}" srcOrd="0" destOrd="0" parTransId="{AD2492F8-93DC-402D-BFB3-07E3AD28E1AC}" sibTransId="{5C152328-E4E2-4F75-92E2-78212E26D67E}"/>
-    <dgm:cxn modelId="{B4EF9BBB-3E9F-4D7F-9E26-B0899E937630}" type="presOf" srcId="{90ECC18C-01B5-451E-8F58-B4A740B8FA1F}" destId="{FB20D4D1-E4F1-4202-B63B-F644BC0738A8}" srcOrd="0" destOrd="0" presId="urn:microsoft.com/office/officeart/2005/8/layout/hierarchy6"/>
-    <dgm:cxn modelId="{392CF600-B27C-415C-80A4-9D488E3FC8FC}" srcId="{95C53C08-9B49-4B0A-AC1D-B382A5B1A8F1}" destId="{3003FB9B-8001-43B8-BCCB-984070A45B6D}" srcOrd="1" destOrd="0" parTransId="{34029802-0C78-4CD1-B7EC-8104DB5716C9}" sibTransId="{3B474E12-29D8-4FFD-9425-C176FE51F378}"/>
+    <dgm:cxn modelId="{A7FCCE77-D3D8-4D69-BD96-210126AE6130}" type="presOf" srcId="{2E26D9DA-B1A2-4DE8-8C6D-84CF26FF398E}" destId="{E4A58FA1-1C2A-4AD6-8E83-B88B440D6C72}" srcOrd="0" destOrd="0" presId="urn:microsoft.com/office/officeart/2005/8/layout/hierarchy6"/>
     <dgm:cxn modelId="{56AB181B-3AEA-4FD4-B49B-A4F57EB5C429}" type="presOf" srcId="{34029802-0C78-4CD1-B7EC-8104DB5716C9}" destId="{45530CF1-31BA-4ED8-8AF2-AB23D2407E8F}" srcOrd="0" destOrd="0" presId="urn:microsoft.com/office/officeart/2005/8/layout/hierarchy6"/>
-    <dgm:cxn modelId="{E406623F-CCDD-4134-8082-6E9527B91CC2}" type="presOf" srcId="{AFA21B1F-1E01-4A4F-8B3D-417E46081446}" destId="{DED9CE8F-E2A1-489B-A6CE-BB392CEE5C4A}" srcOrd="0" destOrd="0" presId="urn:microsoft.com/office/officeart/2005/8/layout/hierarchy6"/>
+    <dgm:cxn modelId="{D86195B6-0179-4199-8344-0F611E610C03}" srcId="{DDED9150-9321-4BC4-B5DF-161CA5BD7743}" destId="{AFA21B1F-1E01-4A4F-8B3D-417E46081446}" srcOrd="2" destOrd="0" parTransId="{1DA52962-E703-418E-BD69-C4E7DA1D4837}" sibTransId="{CAE7490E-6379-4DD5-8F64-B09B4E57FAA2}"/>
+    <dgm:cxn modelId="{CB5D9645-6A25-421B-99A1-DDD5BF614B30}" type="presOf" srcId="{8D9FC9F7-4B92-4248-9C4A-A3AAB595E2A1}" destId="{A38CC2E0-CDC5-4361-A1DF-D54ADFC80A79}" srcOrd="0" destOrd="0" presId="urn:microsoft.com/office/officeart/2005/8/layout/hierarchy6"/>
+    <dgm:cxn modelId="{6F977375-8E6A-4C08-861C-DFA9765F6612}" srcId="{9F1396F1-7E85-4075-8637-037279D128CE}" destId="{95C53C08-9B49-4B0A-AC1D-B382A5B1A8F1}" srcOrd="0" destOrd="0" parTransId="{52584152-BA40-45F4-9D94-CD131780B796}" sibTransId="{FF4F92FD-7A24-4488-8177-8FF8D351C5D8}"/>
     <dgm:cxn modelId="{14D8463F-3F3D-4372-94A6-58F902A7340A}" type="presOf" srcId="{3925FABB-816E-40C5-AB32-DFBE98065925}" destId="{7DD9B58E-F700-40A3-8943-211E8C70CB99}" srcOrd="0" destOrd="0" presId="urn:microsoft.com/office/officeart/2005/8/layout/hierarchy6"/>
     <dgm:cxn modelId="{933E6FEE-3CA1-44C1-B102-5BF999E8FA05}" type="presOf" srcId="{42009880-9ACB-47E2-A344-EB5F9D953B99}" destId="{64F2EC3B-D4DE-4FB6-B3CA-E4825997D558}" srcOrd="0" destOrd="0" presId="urn:microsoft.com/office/officeart/2005/8/layout/hierarchy6"/>
-    <dgm:cxn modelId="{DE71E207-B5FD-4875-8615-156BA90207F6}" type="presOf" srcId="{CC2082F2-72C8-4E14-BCFF-D86CFC42867C}" destId="{E572B34E-F6A0-4D3F-93EC-19C8D788728B}" srcOrd="0" destOrd="0" presId="urn:microsoft.com/office/officeart/2005/8/layout/hierarchy6"/>
-    <dgm:cxn modelId="{6F977375-8E6A-4C08-861C-DFA9765F6612}" srcId="{9F1396F1-7E85-4075-8637-037279D128CE}" destId="{95C53C08-9B49-4B0A-AC1D-B382A5B1A8F1}" srcOrd="0" destOrd="0" parTransId="{52584152-BA40-45F4-9D94-CD131780B796}" sibTransId="{FF4F92FD-7A24-4488-8177-8FF8D351C5D8}"/>
-    <dgm:cxn modelId="{73184490-56AC-460A-885E-BF59662BDF52}" srcId="{6EEF4EC0-3E3C-4420-9F4F-4CDE4EB558A6}" destId="{42009880-9ACB-47E2-A344-EB5F9D953B99}" srcOrd="1" destOrd="0" parTransId="{5C55172F-4E1B-470D-8C20-5E903CA68B55}" sibTransId="{042A8FF2-A125-4B16-8AFA-4463EEEC6699}"/>
-    <dgm:cxn modelId="{D86195B6-0179-4199-8344-0F611E610C03}" srcId="{DDED9150-9321-4BC4-B5DF-161CA5BD7743}" destId="{AFA21B1F-1E01-4A4F-8B3D-417E46081446}" srcOrd="2" destOrd="0" parTransId="{1DA52962-E703-418E-BD69-C4E7DA1D4837}" sibTransId="{CAE7490E-6379-4DD5-8F64-B09B4E57FAA2}"/>
-    <dgm:cxn modelId="{4A8613BC-1B78-4B0D-B027-B6056696BB57}" type="presOf" srcId="{9F1396F1-7E85-4075-8637-037279D128CE}" destId="{9EB445FF-288E-4A27-B7D8-466AC1B99823}" srcOrd="0" destOrd="0" presId="urn:microsoft.com/office/officeart/2005/8/layout/hierarchy6"/>
-    <dgm:cxn modelId="{10F30943-EE28-464F-8D16-7BF7290A1A0E}" srcId="{8D9FC9F7-4B92-4248-9C4A-A3AAB595E2A1}" destId="{9F1396F1-7E85-4075-8637-037279D128CE}" srcOrd="0" destOrd="0" parTransId="{7295D9D7-6409-4BC2-A590-D03FAB9CF4F3}" sibTransId="{A2069646-0436-40A8-B3B1-87E1298A19AC}"/>
-    <dgm:cxn modelId="{DBA8A7B2-148C-4B73-9841-4017145A91DA}" srcId="{DDED9150-9321-4BC4-B5DF-161CA5BD7743}" destId="{CC2082F2-72C8-4E14-BCFF-D86CFC42867C}" srcOrd="0" destOrd="0" parTransId="{076C68CA-9925-44CA-9C63-88EBEB8567B4}" sibTransId="{E75B5CE4-45AF-4F8E-A5FB-400C38CBD1AC}"/>
+    <dgm:cxn modelId="{392CF600-B27C-415C-80A4-9D488E3FC8FC}" srcId="{95C53C08-9B49-4B0A-AC1D-B382A5B1A8F1}" destId="{3003FB9B-8001-43B8-BCCB-984070A45B6D}" srcOrd="1" destOrd="0" parTransId="{34029802-0C78-4CD1-B7EC-8104DB5716C9}" sibTransId="{3B474E12-29D8-4FFD-9425-C176FE51F378}"/>
     <dgm:cxn modelId="{28152871-6886-4046-AF9B-3D45592DBE22}" type="presOf" srcId="{C471A1BA-B1EC-46C1-9C74-C01CE0A916A7}" destId="{AF6E07B5-5725-41DF-B796-72B27CE573D0}" srcOrd="0" destOrd="0" presId="urn:microsoft.com/office/officeart/2005/8/layout/hierarchy6"/>
-    <dgm:cxn modelId="{5F032706-AE9C-448B-A39D-7212370B6698}" type="presOf" srcId="{2DEF04DF-2D1B-418E-A615-6DA2F29683C7}" destId="{A8D95D75-0630-4940-86DB-1DC732D38DE2}" srcOrd="0" destOrd="0" presId="urn:microsoft.com/office/officeart/2005/8/layout/hierarchy6"/>
-    <dgm:cxn modelId="{053512D1-0B0C-46E4-ABF1-1F2B508FB6EF}" type="presOf" srcId="{95C53C08-9B49-4B0A-AC1D-B382A5B1A8F1}" destId="{F13A2373-EA8F-4E3F-8C7D-B7B467778A96}" srcOrd="0" destOrd="0" presId="urn:microsoft.com/office/officeart/2005/8/layout/hierarchy6"/>
-    <dgm:cxn modelId="{A7FCCE77-D3D8-4D69-BD96-210126AE6130}" type="presOf" srcId="{2E26D9DA-B1A2-4DE8-8C6D-84CF26FF398E}" destId="{E4A58FA1-1C2A-4AD6-8E83-B88B440D6C72}" srcOrd="0" destOrd="0" presId="urn:microsoft.com/office/officeart/2005/8/layout/hierarchy6"/>
+    <dgm:cxn modelId="{FEEB5DF3-241A-4D3A-85DF-66117BDAD5F7}" type="presOf" srcId="{076C68CA-9925-44CA-9C63-88EBEB8567B4}" destId="{FDB41CB4-A75D-4993-BD4D-914FA2A9A339}" srcOrd="0" destOrd="0" presId="urn:microsoft.com/office/officeart/2005/8/layout/hierarchy6"/>
+    <dgm:cxn modelId="{A764D039-0204-444B-8814-8FD45C2C3A77}" srcId="{95C53C08-9B49-4B0A-AC1D-B382A5B1A8F1}" destId="{43AFD1E9-6405-44AA-902F-AD1213BC1067}" srcOrd="0" destOrd="0" parTransId="{90ECC18C-01B5-451E-8F58-B4A740B8FA1F}" sibTransId="{9FEABFF9-6EE2-42FF-B051-28AE76761062}"/>
     <dgm:cxn modelId="{69FECB81-33B4-4703-90D3-2C8AAA3037CE}" srcId="{2E26D9DA-B1A2-4DE8-8C6D-84CF26FF398E}" destId="{DDED9150-9321-4BC4-B5DF-161CA5BD7743}" srcOrd="0" destOrd="0" parTransId="{2DEF04DF-2D1B-418E-A615-6DA2F29683C7}" sibTransId="{A7F037D8-6E77-4CBC-AE52-1138E02C9D3B}"/>
-    <dgm:cxn modelId="{CB5D9645-6A25-421B-99A1-DDD5BF614B30}" type="presOf" srcId="{8D9FC9F7-4B92-4248-9C4A-A3AAB595E2A1}" destId="{A38CC2E0-CDC5-4361-A1DF-D54ADFC80A79}" srcOrd="0" destOrd="0" presId="urn:microsoft.com/office/officeart/2005/8/layout/hierarchy6"/>
-    <dgm:cxn modelId="{194C4D2C-5D57-4AC8-B437-82C5C9BF8AAE}" type="presOf" srcId="{6EEF4EC0-3E3C-4420-9F4F-4CDE4EB558A6}" destId="{BD1D836F-64D7-437C-B4EB-2913FDE6DAE4}" srcOrd="0" destOrd="0" presId="urn:microsoft.com/office/officeart/2005/8/layout/hierarchy6"/>
-    <dgm:cxn modelId="{FCC6E0C6-0082-484A-9FF3-3FC68E2951AC}" type="presOf" srcId="{535606BE-8261-41F2-BD06-409626629328}" destId="{99F0A223-63A4-405C-B2F8-F0207D79C0AC}" srcOrd="0" destOrd="0" presId="urn:microsoft.com/office/officeart/2005/8/layout/hierarchy6"/>
-    <dgm:cxn modelId="{A1B2CCD0-6497-4A1B-BD91-34575381D02A}" type="presOf" srcId="{3003FB9B-8001-43B8-BCCB-984070A45B6D}" destId="{804EC832-75B6-4BBD-A91D-C0E9A46B6359}" srcOrd="0" destOrd="0" presId="urn:microsoft.com/office/officeart/2005/8/layout/hierarchy6"/>
+    <dgm:cxn modelId="{3EFDBDC8-FADB-4554-8BD0-7006C5DE4877}" srcId="{95C53C08-9B49-4B0A-AC1D-B382A5B1A8F1}" destId="{6EEF4EC0-3E3C-4420-9F4F-4CDE4EB558A6}" srcOrd="2" destOrd="0" parTransId="{B549941C-4143-4452-913F-793844A91B14}" sibTransId="{E59703A6-014B-44E3-AEBF-B791DA7BAF48}"/>
     <dgm:cxn modelId="{2654CCD6-79BA-4BB3-B142-9980049E3006}" srcId="{6EEF4EC0-3E3C-4420-9F4F-4CDE4EB558A6}" destId="{2E26D9DA-B1A2-4DE8-8C6D-84CF26FF398E}" srcOrd="0" destOrd="0" parTransId="{3925FABB-816E-40C5-AB32-DFBE98065925}" sibTransId="{FA6755D8-48CF-40A0-84F8-4B62D1E25E5C}"/>
-    <dgm:cxn modelId="{2E92ADCF-E609-43A3-8FA9-66444D4AD38D}" type="presOf" srcId="{C15A62ED-7681-48BF-BF93-B5A2F36A4EC2}" destId="{20AA2B53-B2D7-4822-8ADE-AE5620B2F586}" srcOrd="0" destOrd="0" presId="urn:microsoft.com/office/officeart/2005/8/layout/hierarchy6"/>
-    <dgm:cxn modelId="{2A1E2CC5-CA79-4A19-81C8-3C0634B2A4D8}" type="presOf" srcId="{5C55172F-4E1B-470D-8C20-5E903CA68B55}" destId="{0DCD80F5-DD12-4EE8-9626-8656E1A1E7C3}" srcOrd="0" destOrd="0" presId="urn:microsoft.com/office/officeart/2005/8/layout/hierarchy6"/>
-    <dgm:cxn modelId="{CFA7D339-C9EA-487C-BBC9-BB0E806B50FE}" type="presOf" srcId="{B549941C-4143-4452-913F-793844A91B14}" destId="{6655A440-05A9-49D5-82FE-950665CB1ABE}" srcOrd="0" destOrd="0" presId="urn:microsoft.com/office/officeart/2005/8/layout/hierarchy6"/>
-    <dgm:cxn modelId="{FEEB5DF3-241A-4D3A-85DF-66117BDAD5F7}" type="presOf" srcId="{076C68CA-9925-44CA-9C63-88EBEB8567B4}" destId="{FDB41CB4-A75D-4993-BD4D-914FA2A9A339}" srcOrd="0" destOrd="0" presId="urn:microsoft.com/office/officeart/2005/8/layout/hierarchy6"/>
-    <dgm:cxn modelId="{C3F9D9EF-7EBA-4A6D-83EC-1FC42100707E}" type="presOf" srcId="{52584152-BA40-45F4-9D94-CD131780B796}" destId="{45AA592C-34EA-4955-9757-15291DC858C2}" srcOrd="0" destOrd="0" presId="urn:microsoft.com/office/officeart/2005/8/layout/hierarchy6"/>
-    <dgm:cxn modelId="{A764D039-0204-444B-8814-8FD45C2C3A77}" srcId="{95C53C08-9B49-4B0A-AC1D-B382A5B1A8F1}" destId="{43AFD1E9-6405-44AA-902F-AD1213BC1067}" srcOrd="0" destOrd="0" parTransId="{90ECC18C-01B5-451E-8F58-B4A740B8FA1F}" sibTransId="{9FEABFF9-6EE2-42FF-B051-28AE76761062}"/>
-    <dgm:cxn modelId="{A60BBB66-E45A-4EDC-9B90-B6F9120C2D78}" type="presOf" srcId="{AD2492F8-93DC-402D-BFB3-07E3AD28E1AC}" destId="{A0CF71D7-E285-4AFF-AF8D-1E5061467ED0}" srcOrd="0" destOrd="0" presId="urn:microsoft.com/office/officeart/2005/8/layout/hierarchy6"/>
+    <dgm:cxn modelId="{BC86D1DE-0F15-45F3-A6B4-8092E062EA0D}" type="presOf" srcId="{DDED9150-9321-4BC4-B5DF-161CA5BD7743}" destId="{8563EEC0-DE9C-4DBC-B93C-14C685C19DE5}" srcOrd="0" destOrd="0" presId="urn:microsoft.com/office/officeart/2005/8/layout/hierarchy6"/>
     <dgm:cxn modelId="{E21BCA1A-47CF-4C2C-B178-CE1423C5A44D}" type="presOf" srcId="{1DA52962-E703-418E-BD69-C4E7DA1D4837}" destId="{82C5F424-B216-4758-9DE0-5BB2B4280589}" srcOrd="0" destOrd="0" presId="urn:microsoft.com/office/officeart/2005/8/layout/hierarchy6"/>
     <dgm:cxn modelId="{008CB2B6-B602-42A0-B20D-B157E8E4924A}" srcId="{DDED9150-9321-4BC4-B5DF-161CA5BD7743}" destId="{C471A1BA-B1EC-46C1-9C74-C01CE0A916A7}" srcOrd="1" destOrd="0" parTransId="{C15A62ED-7681-48BF-BF93-B5A2F36A4EC2}" sibTransId="{947F427C-1A0D-4E9A-9F94-B141ED3847D5}"/>
+    <dgm:cxn modelId="{C3F9D9EF-7EBA-4A6D-83EC-1FC42100707E}" type="presOf" srcId="{52584152-BA40-45F4-9D94-CD131780B796}" destId="{45AA592C-34EA-4955-9757-15291DC858C2}" srcOrd="0" destOrd="0" presId="urn:microsoft.com/office/officeart/2005/8/layout/hierarchy6"/>
+    <dgm:cxn modelId="{FCC6E0C6-0082-484A-9FF3-3FC68E2951AC}" type="presOf" srcId="{535606BE-8261-41F2-BD06-409626629328}" destId="{99F0A223-63A4-405C-B2F8-F0207D79C0AC}" srcOrd="0" destOrd="0" presId="urn:microsoft.com/office/officeart/2005/8/layout/hierarchy6"/>
+    <dgm:cxn modelId="{CFA7D339-C9EA-487C-BBC9-BB0E806B50FE}" type="presOf" srcId="{B549941C-4143-4452-913F-793844A91B14}" destId="{6655A440-05A9-49D5-82FE-950665CB1ABE}" srcOrd="0" destOrd="0" presId="urn:microsoft.com/office/officeart/2005/8/layout/hierarchy6"/>
+    <dgm:cxn modelId="{0745FE39-1089-4D94-808D-2B29666D136B}" type="presOf" srcId="{43AFD1E9-6405-44AA-902F-AD1213BC1067}" destId="{A2DB2009-F1BE-47AA-ABC8-DF1B76852803}" srcOrd="0" destOrd="0" presId="urn:microsoft.com/office/officeart/2005/8/layout/hierarchy6"/>
+    <dgm:cxn modelId="{2E92ADCF-E609-43A3-8FA9-66444D4AD38D}" type="presOf" srcId="{C15A62ED-7681-48BF-BF93-B5A2F36A4EC2}" destId="{20AA2B53-B2D7-4822-8ADE-AE5620B2F586}" srcOrd="0" destOrd="0" presId="urn:microsoft.com/office/officeart/2005/8/layout/hierarchy6"/>
+    <dgm:cxn modelId="{A1B2CCD0-6497-4A1B-BD91-34575381D02A}" type="presOf" srcId="{3003FB9B-8001-43B8-BCCB-984070A45B6D}" destId="{804EC832-75B6-4BBD-A91D-C0E9A46B6359}" srcOrd="0" destOrd="0" presId="urn:microsoft.com/office/officeart/2005/8/layout/hierarchy6"/>
+    <dgm:cxn modelId="{E406623F-CCDD-4134-8082-6E9527B91CC2}" type="presOf" srcId="{AFA21B1F-1E01-4A4F-8B3D-417E46081446}" destId="{DED9CE8F-E2A1-489B-A6CE-BB392CEE5C4A}" srcOrd="0" destOrd="0" presId="urn:microsoft.com/office/officeart/2005/8/layout/hierarchy6"/>
+    <dgm:cxn modelId="{B4EF9BBB-3E9F-4D7F-9E26-B0899E937630}" type="presOf" srcId="{90ECC18C-01B5-451E-8F58-B4A740B8FA1F}" destId="{FB20D4D1-E4F1-4202-B63B-F644BC0738A8}" srcOrd="0" destOrd="0" presId="urn:microsoft.com/office/officeart/2005/8/layout/hierarchy6"/>
+    <dgm:cxn modelId="{4A8613BC-1B78-4B0D-B027-B6056696BB57}" type="presOf" srcId="{9F1396F1-7E85-4075-8637-037279D128CE}" destId="{9EB445FF-288E-4A27-B7D8-466AC1B99823}" srcOrd="0" destOrd="0" presId="urn:microsoft.com/office/officeart/2005/8/layout/hierarchy6"/>
+    <dgm:cxn modelId="{053512D1-0B0C-46E4-ABF1-1F2B508FB6EF}" type="presOf" srcId="{95C53C08-9B49-4B0A-AC1D-B382A5B1A8F1}" destId="{F13A2373-EA8F-4E3F-8C7D-B7B467778A96}" srcOrd="0" destOrd="0" presId="urn:microsoft.com/office/officeart/2005/8/layout/hierarchy6"/>
+    <dgm:cxn modelId="{10F30943-EE28-464F-8D16-7BF7290A1A0E}" srcId="{8D9FC9F7-4B92-4248-9C4A-A3AAB595E2A1}" destId="{9F1396F1-7E85-4075-8637-037279D128CE}" srcOrd="0" destOrd="0" parTransId="{7295D9D7-6409-4BC2-A590-D03FAB9CF4F3}" sibTransId="{A2069646-0436-40A8-B3B1-87E1298A19AC}"/>
+    <dgm:cxn modelId="{194C4D2C-5D57-4AC8-B437-82C5C9BF8AAE}" type="presOf" srcId="{6EEF4EC0-3E3C-4420-9F4F-4CDE4EB558A6}" destId="{BD1D836F-64D7-437C-B4EB-2913FDE6DAE4}" srcOrd="0" destOrd="0" presId="urn:microsoft.com/office/officeart/2005/8/layout/hierarchy6"/>
+    <dgm:cxn modelId="{5F032706-AE9C-448B-A39D-7212370B6698}" type="presOf" srcId="{2DEF04DF-2D1B-418E-A615-6DA2F29683C7}" destId="{A8D95D75-0630-4940-86DB-1DC732D38DE2}" srcOrd="0" destOrd="0" presId="urn:microsoft.com/office/officeart/2005/8/layout/hierarchy6"/>
+    <dgm:cxn modelId="{20F7CB03-F07D-4889-BC47-D0A1198E26C3}" srcId="{42009880-9ACB-47E2-A344-EB5F9D953B99}" destId="{535606BE-8261-41F2-BD06-409626629328}" srcOrd="0" destOrd="0" parTransId="{AD2492F8-93DC-402D-BFB3-07E3AD28E1AC}" sibTransId="{5C152328-E4E2-4F75-92E2-78212E26D67E}"/>
+    <dgm:cxn modelId="{DBA8A7B2-148C-4B73-9841-4017145A91DA}" srcId="{DDED9150-9321-4BC4-B5DF-161CA5BD7743}" destId="{CC2082F2-72C8-4E14-BCFF-D86CFC42867C}" srcOrd="0" destOrd="0" parTransId="{076C68CA-9925-44CA-9C63-88EBEB8567B4}" sibTransId="{E75B5CE4-45AF-4F8E-A5FB-400C38CBD1AC}"/>
+    <dgm:cxn modelId="{2A1E2CC5-CA79-4A19-81C8-3C0634B2A4D8}" type="presOf" srcId="{5C55172F-4E1B-470D-8C20-5E903CA68B55}" destId="{0DCD80F5-DD12-4EE8-9626-8656E1A1E7C3}" srcOrd="0" destOrd="0" presId="urn:microsoft.com/office/officeart/2005/8/layout/hierarchy6"/>
+    <dgm:cxn modelId="{A60BBB66-E45A-4EDC-9B90-B6F9120C2D78}" type="presOf" srcId="{AD2492F8-93DC-402D-BFB3-07E3AD28E1AC}" destId="{A0CF71D7-E285-4AFF-AF8D-1E5061467ED0}" srcOrd="0" destOrd="0" presId="urn:microsoft.com/office/officeart/2005/8/layout/hierarchy6"/>
+    <dgm:cxn modelId="{DE71E207-B5FD-4875-8615-156BA90207F6}" type="presOf" srcId="{CC2082F2-72C8-4E14-BCFF-D86CFC42867C}" destId="{E572B34E-F6A0-4D3F-93EC-19C8D788728B}" srcOrd="0" destOrd="0" presId="urn:microsoft.com/office/officeart/2005/8/layout/hierarchy6"/>
+    <dgm:cxn modelId="{73184490-56AC-460A-885E-BF59662BDF52}" srcId="{6EEF4EC0-3E3C-4420-9F4F-4CDE4EB558A6}" destId="{42009880-9ACB-47E2-A344-EB5F9D953B99}" srcOrd="1" destOrd="0" parTransId="{5C55172F-4E1B-470D-8C20-5E903CA68B55}" sibTransId="{042A8FF2-A125-4B16-8AFA-4463EEEC6699}"/>
     <dgm:cxn modelId="{58E4134D-996F-4F00-A7BC-678D61E5B8DA}" type="presParOf" srcId="{A38CC2E0-CDC5-4361-A1DF-D54ADFC80A79}" destId="{6D4146AC-D5BE-4DC9-8EAF-69AFA2F9D26A}" srcOrd="0" destOrd="0" presId="urn:microsoft.com/office/officeart/2005/8/layout/hierarchy6"/>
     <dgm:cxn modelId="{F66596DD-2AB4-4ABC-933C-C408CED6CA0F}" type="presParOf" srcId="{6D4146AC-D5BE-4DC9-8EAF-69AFA2F9D26A}" destId="{5383C7FF-324E-43CB-A7B2-5CB904C4B14D}" srcOrd="0" destOrd="0" presId="urn:microsoft.com/office/officeart/2005/8/layout/hierarchy6"/>
     <dgm:cxn modelId="{C4C178BC-1997-4FF9-904D-100C72AD6686}" type="presParOf" srcId="{5383C7FF-324E-43CB-A7B2-5CB904C4B14D}" destId="{B7B9E61B-3892-4F56-9E3E-2901415E680E}" srcOrd="0" destOrd="0" presId="urn:microsoft.com/office/officeart/2005/8/layout/hierarchy6"/>
@@ -13607,7 +13769,6 @@
               <a:rPr lang="ru-RU" dirty="0" smtClean="0"/>
               <a:t> фронтенд двух проектов</a:t>
             </a:r>
-            <a:endParaRPr lang="ru-RU" dirty="0" smtClean="0"/>
           </a:p>
           <a:p>
             <a:endParaRPr lang="ru-RU" dirty="0"/>
@@ -14898,6 +15059,89 @@
       </p:grpSpPr>
       <p:sp>
         <p:nvSpPr>
+          <p:cNvPr id="2" name="Заголовок 1"/>
+          <p:cNvSpPr>
+            <a:spLocks noGrp="1"/>
+          </p:cNvSpPr>
+          <p:nvPr>
+            <p:ph type="ctrTitle"/>
+          </p:nvPr>
+        </p:nvSpPr>
+        <p:spPr/>
+        <p:txBody>
+          <a:bodyPr/>
+          <a:lstStyle/>
+          <a:p>
+            <a:r>
+              <a:rPr lang="en-US" dirty="0" smtClean="0"/>
+              <a:t>react-test-selectors</a:t>
+            </a:r>
+            <a:endParaRPr lang="ru-RU" dirty="0">
+              <a:solidFill>
+                <a:srgbClr val="FF0000"/>
+              </a:solidFill>
+            </a:endParaRPr>
+          </a:p>
+        </p:txBody>
+      </p:sp>
+      <p:sp>
+        <p:nvSpPr>
+          <p:cNvPr id="3" name="Подзаголовок 2"/>
+          <p:cNvSpPr>
+            <a:spLocks noGrp="1"/>
+          </p:cNvSpPr>
+          <p:nvPr>
+            <p:ph type="subTitle" idx="1"/>
+          </p:nvPr>
+        </p:nvSpPr>
+        <p:spPr/>
+        <p:txBody>
+          <a:bodyPr/>
+          <a:lstStyle/>
+          <a:p>
+            <a:endParaRPr lang="ru-RU" dirty="0"/>
+          </a:p>
+        </p:txBody>
+      </p:sp>
+    </p:spTree>
+    <p:extLst>
+      <p:ext uri="{BB962C8B-B14F-4D97-AF65-F5344CB8AC3E}">
+        <p14:creationId xmlns:p14="http://schemas.microsoft.com/office/powerpoint/2010/main" val="2928770938"/>
+      </p:ext>
+    </p:extLst>
+  </p:cSld>
+  <p:clrMapOvr>
+    <a:masterClrMapping/>
+  </p:clrMapOvr>
+  <p:timing>
+    <p:tnLst>
+      <p:par>
+        <p:cTn id="1" dur="indefinite" restart="never" nodeType="tmRoot"/>
+      </p:par>
+    </p:tnLst>
+  </p:timing>
+</p:sld>
+</file>
+
+<file path=ppt/slides/slide23.xml><?xml version="1.0" encoding="utf-8"?>
+<p:sld xmlns:a="http://schemas.openxmlformats.org/drawingml/2006/main" xmlns:r="http://schemas.openxmlformats.org/officeDocument/2006/relationships" xmlns:p="http://schemas.openxmlformats.org/presentationml/2006/main">
+  <p:cSld>
+    <p:spTree>
+      <p:nvGrpSpPr>
+        <p:cNvPr id="1" name=""/>
+        <p:cNvGrpSpPr/>
+        <p:nvPr/>
+      </p:nvGrpSpPr>
+      <p:grpSpPr>
+        <a:xfrm>
+          <a:off x="0" y="0"/>
+          <a:ext cx="0" cy="0"/>
+          <a:chOff x="0" y="0"/>
+          <a:chExt cx="0" cy="0"/>
+        </a:xfrm>
+      </p:grpSpPr>
+      <p:sp>
+        <p:nvSpPr>
           <p:cNvPr id="4" name="Заголовок 3"/>
           <p:cNvSpPr>
             <a:spLocks noGrp="1"/>
@@ -14976,7 +15220,7 @@
 </p:sld>
 </file>
 
-<file path=ppt/slides/slide23.xml><?xml version="1.0" encoding="utf-8"?>
+<file path=ppt/slides/slide24.xml><?xml version="1.0" encoding="utf-8"?>
 <p:sld xmlns:a="http://schemas.openxmlformats.org/drawingml/2006/main" xmlns:r="http://schemas.openxmlformats.org/officeDocument/2006/relationships" xmlns:p="http://schemas.openxmlformats.org/presentationml/2006/main">
   <p:cSld>
     <p:spTree>
@@ -15037,7 +15281,7 @@
 </p:sld>
 </file>
 
-<file path=ppt/slides/slide24.xml><?xml version="1.0" encoding="utf-8"?>
+<file path=ppt/slides/slide25.xml><?xml version="1.0" encoding="utf-8"?>
 <p:sld xmlns:a="http://schemas.openxmlformats.org/drawingml/2006/main" xmlns:r="http://schemas.openxmlformats.org/officeDocument/2006/relationships" xmlns:p="http://schemas.openxmlformats.org/presentationml/2006/main">
   <p:cSld>
     <p:spTree>
@@ -15143,7 +15387,7 @@
 </p:sld>
 </file>
 
-<file path=ppt/slides/slide25.xml><?xml version="1.0" encoding="utf-8"?>
+<file path=ppt/slides/slide26.xml><?xml version="1.0" encoding="utf-8"?>
 <p:sld xmlns:a="http://schemas.openxmlformats.org/drawingml/2006/main" xmlns:r="http://schemas.openxmlformats.org/officeDocument/2006/relationships" xmlns:p="http://schemas.openxmlformats.org/presentationml/2006/main">
   <p:cSld>
     <p:spTree>
@@ -15435,85 +15679,6 @@
 </p:sld>
 </file>
 
-<file path=ppt/slides/slide26.xml><?xml version="1.0" encoding="utf-8"?>
-<p:sld xmlns:a="http://schemas.openxmlformats.org/drawingml/2006/main" xmlns:r="http://schemas.openxmlformats.org/officeDocument/2006/relationships" xmlns:p="http://schemas.openxmlformats.org/presentationml/2006/main">
-  <p:cSld>
-    <p:spTree>
-      <p:nvGrpSpPr>
-        <p:cNvPr id="1" name=""/>
-        <p:cNvGrpSpPr/>
-        <p:nvPr/>
-      </p:nvGrpSpPr>
-      <p:grpSpPr>
-        <a:xfrm>
-          <a:off x="0" y="0"/>
-          <a:ext cx="0" cy="0"/>
-          <a:chOff x="0" y="0"/>
-          <a:chExt cx="0" cy="0"/>
-        </a:xfrm>
-      </p:grpSpPr>
-      <p:sp>
-        <p:nvSpPr>
-          <p:cNvPr id="2" name="Заголовок 1"/>
-          <p:cNvSpPr>
-            <a:spLocks noGrp="1"/>
-          </p:cNvSpPr>
-          <p:nvPr>
-            <p:ph type="ctrTitle"/>
-          </p:nvPr>
-        </p:nvSpPr>
-        <p:spPr/>
-        <p:txBody>
-          <a:bodyPr/>
-          <a:lstStyle/>
-          <a:p>
-            <a:r>
-              <a:rPr lang="ru-RU" dirty="0" smtClean="0"/>
-              <a:t>Скорость</a:t>
-            </a:r>
-            <a:endParaRPr lang="ru-RU" dirty="0"/>
-          </a:p>
-        </p:txBody>
-      </p:sp>
-      <p:sp>
-        <p:nvSpPr>
-          <p:cNvPr id="4" name="Подзаголовок 3"/>
-          <p:cNvSpPr>
-            <a:spLocks noGrp="1"/>
-          </p:cNvSpPr>
-          <p:nvPr>
-            <p:ph type="subTitle" idx="1"/>
-          </p:nvPr>
-        </p:nvSpPr>
-        <p:spPr/>
-        <p:txBody>
-          <a:bodyPr/>
-          <a:lstStyle/>
-          <a:p>
-            <a:endParaRPr lang="ru-RU" dirty="0"/>
-          </a:p>
-        </p:txBody>
-      </p:sp>
-    </p:spTree>
-    <p:extLst>
-      <p:ext uri="{BB962C8B-B14F-4D97-AF65-F5344CB8AC3E}">
-        <p14:creationId xmlns:p14="http://schemas.microsoft.com/office/powerpoint/2010/main" val="378563051"/>
-      </p:ext>
-    </p:extLst>
-  </p:cSld>
-  <p:clrMapOvr>
-    <a:masterClrMapping/>
-  </p:clrMapOvr>
-  <p:timing>
-    <p:tnLst>
-      <p:par>
-        <p:cTn id="1" dur="indefinite" restart="never" nodeType="tmRoot"/>
-      </p:par>
-    </p:tnLst>
-  </p:timing>
-</p:sld>
-</file>
-
 <file path=ppt/slides/slide27.xml><?xml version="1.0" encoding="utf-8"?>
 <p:sld xmlns:a="http://schemas.openxmlformats.org/drawingml/2006/main" xmlns:r="http://schemas.openxmlformats.org/officeDocument/2006/relationships" xmlns:p="http://schemas.openxmlformats.org/presentationml/2006/main">
   <p:cSld>
@@ -15548,7 +15713,7 @@
           <a:p>
             <a:r>
               <a:rPr lang="ru-RU" dirty="0" smtClean="0"/>
-              <a:t>Меньше энтропия</a:t>
+              <a:t>Скорость</a:t>
             </a:r>
             <a:endParaRPr lang="ru-RU" dirty="0"/>
           </a:p>
@@ -15569,14 +15734,14 @@
           <a:bodyPr/>
           <a:lstStyle/>
           <a:p>
-            <a:endParaRPr lang="ru-RU"/>
+            <a:endParaRPr lang="ru-RU" dirty="0"/>
           </a:p>
         </p:txBody>
       </p:sp>
     </p:spTree>
     <p:extLst>
       <p:ext uri="{BB962C8B-B14F-4D97-AF65-F5344CB8AC3E}">
-        <p14:creationId xmlns:p14="http://schemas.microsoft.com/office/powerpoint/2010/main" val="44581860"/>
+        <p14:creationId xmlns:p14="http://schemas.microsoft.com/office/powerpoint/2010/main" val="378563051"/>
       </p:ext>
     </p:extLst>
   </p:cSld>
@@ -15627,6 +15792,85 @@
           <a:p>
             <a:r>
               <a:rPr lang="ru-RU" dirty="0" smtClean="0"/>
+              <a:t>Меньше энтропия</a:t>
+            </a:r>
+            <a:endParaRPr lang="ru-RU" dirty="0"/>
+          </a:p>
+        </p:txBody>
+      </p:sp>
+      <p:sp>
+        <p:nvSpPr>
+          <p:cNvPr id="4" name="Подзаголовок 3"/>
+          <p:cNvSpPr>
+            <a:spLocks noGrp="1"/>
+          </p:cNvSpPr>
+          <p:nvPr>
+            <p:ph type="subTitle" idx="1"/>
+          </p:nvPr>
+        </p:nvSpPr>
+        <p:spPr/>
+        <p:txBody>
+          <a:bodyPr/>
+          <a:lstStyle/>
+          <a:p>
+            <a:endParaRPr lang="ru-RU"/>
+          </a:p>
+        </p:txBody>
+      </p:sp>
+    </p:spTree>
+    <p:extLst>
+      <p:ext uri="{BB962C8B-B14F-4D97-AF65-F5344CB8AC3E}">
+        <p14:creationId xmlns:p14="http://schemas.microsoft.com/office/powerpoint/2010/main" val="44581860"/>
+      </p:ext>
+    </p:extLst>
+  </p:cSld>
+  <p:clrMapOvr>
+    <a:masterClrMapping/>
+  </p:clrMapOvr>
+  <p:timing>
+    <p:tnLst>
+      <p:par>
+        <p:cTn id="1" dur="indefinite" restart="never" nodeType="tmRoot"/>
+      </p:par>
+    </p:tnLst>
+  </p:timing>
+</p:sld>
+</file>
+
+<file path=ppt/slides/slide29.xml><?xml version="1.0" encoding="utf-8"?>
+<p:sld xmlns:a="http://schemas.openxmlformats.org/drawingml/2006/main" xmlns:r="http://schemas.openxmlformats.org/officeDocument/2006/relationships" xmlns:p="http://schemas.openxmlformats.org/presentationml/2006/main">
+  <p:cSld>
+    <p:spTree>
+      <p:nvGrpSpPr>
+        <p:cNvPr id="1" name=""/>
+        <p:cNvGrpSpPr/>
+        <p:nvPr/>
+      </p:nvGrpSpPr>
+      <p:grpSpPr>
+        <a:xfrm>
+          <a:off x="0" y="0"/>
+          <a:ext cx="0" cy="0"/>
+          <a:chOff x="0" y="0"/>
+          <a:chExt cx="0" cy="0"/>
+        </a:xfrm>
+      </p:grpSpPr>
+      <p:sp>
+        <p:nvSpPr>
+          <p:cNvPr id="2" name="Заголовок 1"/>
+          <p:cNvSpPr>
+            <a:spLocks noGrp="1"/>
+          </p:cNvSpPr>
+          <p:nvPr>
+            <p:ph type="ctrTitle"/>
+          </p:nvPr>
+        </p:nvSpPr>
+        <p:spPr/>
+        <p:txBody>
+          <a:bodyPr/>
+          <a:lstStyle/>
+          <a:p>
+            <a:r>
+              <a:rPr lang="ru-RU" dirty="0" smtClean="0"/>
               <a:t>Теперь разработчикам не надо расставлять </a:t>
             </a:r>
             <a:r>
@@ -15711,99 +15955,6 @@
 </p:sld>
 </file>
 
-<file path=ppt/slides/slide29.xml><?xml version="1.0" encoding="utf-8"?>
-<p:sld xmlns:a="http://schemas.openxmlformats.org/drawingml/2006/main" xmlns:r="http://schemas.openxmlformats.org/officeDocument/2006/relationships" xmlns:p="http://schemas.openxmlformats.org/presentationml/2006/main">
-  <p:cSld>
-    <p:spTree>
-      <p:nvGrpSpPr>
-        <p:cNvPr id="1" name=""/>
-        <p:cNvGrpSpPr/>
-        <p:nvPr/>
-      </p:nvGrpSpPr>
-      <p:grpSpPr>
-        <a:xfrm>
-          <a:off x="0" y="0"/>
-          <a:ext cx="0" cy="0"/>
-          <a:chOff x="0" y="0"/>
-          <a:chExt cx="0" cy="0"/>
-        </a:xfrm>
-      </p:grpSpPr>
-      <p:sp>
-        <p:nvSpPr>
-          <p:cNvPr id="2" name="Заголовок 1"/>
-          <p:cNvSpPr>
-            <a:spLocks noGrp="1"/>
-          </p:cNvSpPr>
-          <p:nvPr>
-            <p:ph type="ctrTitle"/>
-          </p:nvPr>
-        </p:nvSpPr>
-        <p:spPr/>
-        <p:txBody>
-          <a:bodyPr/>
-          <a:lstStyle/>
-          <a:p>
-            <a:r>
-              <a:rPr lang="ru-RU" dirty="0" smtClean="0"/>
-              <a:t>Нельзя потрогать</a:t>
-            </a:r>
-            <a:r>
-              <a:rPr lang="en-US" dirty="0" smtClean="0"/>
-              <a:t>?</a:t>
-            </a:r>
-            <a:endParaRPr lang="ru-RU" dirty="0"/>
-          </a:p>
-        </p:txBody>
-      </p:sp>
-      <p:sp>
-        <p:nvSpPr>
-          <p:cNvPr id="4" name="Подзаголовок 3"/>
-          <p:cNvSpPr>
-            <a:spLocks noGrp="1"/>
-          </p:cNvSpPr>
-          <p:nvPr>
-            <p:ph type="subTitle" idx="1"/>
-          </p:nvPr>
-        </p:nvSpPr>
-        <p:spPr/>
-        <p:txBody>
-          <a:bodyPr/>
-          <a:lstStyle/>
-          <a:p>
-            <a:r>
-              <a:rPr lang="ru-RU" dirty="0" smtClean="0"/>
-              <a:t>Отладка?</a:t>
-            </a:r>
-          </a:p>
-          <a:p>
-            <a:r>
-              <a:rPr lang="ru-RU" dirty="0" smtClean="0"/>
-              <a:t>А если баги?</a:t>
-            </a:r>
-            <a:endParaRPr lang="ru-RU" dirty="0"/>
-          </a:p>
-        </p:txBody>
-      </p:sp>
-    </p:spTree>
-    <p:extLst>
-      <p:ext uri="{BB962C8B-B14F-4D97-AF65-F5344CB8AC3E}">
-        <p14:creationId xmlns:p14="http://schemas.microsoft.com/office/powerpoint/2010/main" val="753171894"/>
-      </p:ext>
-    </p:extLst>
-  </p:cSld>
-  <p:clrMapOvr>
-    <a:masterClrMapping/>
-  </p:clrMapOvr>
-  <p:timing>
-    <p:tnLst>
-      <p:par>
-        <p:cTn id="1" dur="indefinite" restart="never" nodeType="tmRoot"/>
-      </p:par>
-    </p:tnLst>
-  </p:timing>
-</p:sld>
-</file>
-
 <file path=ppt/slides/slide3.xml><?xml version="1.0" encoding="utf-8"?>
 <p:sld xmlns:a="http://schemas.openxmlformats.org/drawingml/2006/main" xmlns:r="http://schemas.openxmlformats.org/officeDocument/2006/relationships" xmlns:p="http://schemas.openxmlformats.org/presentationml/2006/main">
   <p:cSld>
@@ -15884,6 +16035,99 @@
 </file>
 
 <file path=ppt/slides/slide30.xml><?xml version="1.0" encoding="utf-8"?>
+<p:sld xmlns:a="http://schemas.openxmlformats.org/drawingml/2006/main" xmlns:r="http://schemas.openxmlformats.org/officeDocument/2006/relationships" xmlns:p="http://schemas.openxmlformats.org/presentationml/2006/main">
+  <p:cSld>
+    <p:spTree>
+      <p:nvGrpSpPr>
+        <p:cNvPr id="1" name=""/>
+        <p:cNvGrpSpPr/>
+        <p:nvPr/>
+      </p:nvGrpSpPr>
+      <p:grpSpPr>
+        <a:xfrm>
+          <a:off x="0" y="0"/>
+          <a:ext cx="0" cy="0"/>
+          <a:chOff x="0" y="0"/>
+          <a:chExt cx="0" cy="0"/>
+        </a:xfrm>
+      </p:grpSpPr>
+      <p:sp>
+        <p:nvSpPr>
+          <p:cNvPr id="2" name="Заголовок 1"/>
+          <p:cNvSpPr>
+            <a:spLocks noGrp="1"/>
+          </p:cNvSpPr>
+          <p:nvPr>
+            <p:ph type="ctrTitle"/>
+          </p:nvPr>
+        </p:nvSpPr>
+        <p:spPr/>
+        <p:txBody>
+          <a:bodyPr/>
+          <a:lstStyle/>
+          <a:p>
+            <a:r>
+              <a:rPr lang="ru-RU" dirty="0" smtClean="0"/>
+              <a:t>Нельзя потрогать</a:t>
+            </a:r>
+            <a:r>
+              <a:rPr lang="en-US" dirty="0" smtClean="0"/>
+              <a:t>?</a:t>
+            </a:r>
+            <a:endParaRPr lang="ru-RU" dirty="0"/>
+          </a:p>
+        </p:txBody>
+      </p:sp>
+      <p:sp>
+        <p:nvSpPr>
+          <p:cNvPr id="4" name="Подзаголовок 3"/>
+          <p:cNvSpPr>
+            <a:spLocks noGrp="1"/>
+          </p:cNvSpPr>
+          <p:nvPr>
+            <p:ph type="subTitle" idx="1"/>
+          </p:nvPr>
+        </p:nvSpPr>
+        <p:spPr/>
+        <p:txBody>
+          <a:bodyPr/>
+          <a:lstStyle/>
+          <a:p>
+            <a:r>
+              <a:rPr lang="ru-RU" dirty="0" smtClean="0"/>
+              <a:t>Отладка?</a:t>
+            </a:r>
+          </a:p>
+          <a:p>
+            <a:r>
+              <a:rPr lang="ru-RU" dirty="0" smtClean="0"/>
+              <a:t>А если баги?</a:t>
+            </a:r>
+            <a:endParaRPr lang="ru-RU" dirty="0"/>
+          </a:p>
+        </p:txBody>
+      </p:sp>
+    </p:spTree>
+    <p:extLst>
+      <p:ext uri="{BB962C8B-B14F-4D97-AF65-F5344CB8AC3E}">
+        <p14:creationId xmlns:p14="http://schemas.microsoft.com/office/powerpoint/2010/main" val="753171894"/>
+      </p:ext>
+    </p:extLst>
+  </p:cSld>
+  <p:clrMapOvr>
+    <a:masterClrMapping/>
+  </p:clrMapOvr>
+  <p:timing>
+    <p:tnLst>
+      <p:par>
+        <p:cTn id="1" dur="indefinite" restart="never" nodeType="tmRoot"/>
+      </p:par>
+    </p:tnLst>
+  </p:timing>
+</p:sld>
+</file>
+
+<file path=ppt/slides/slide31.xml><?xml version="1.0" encoding="utf-8"?>
 <p:sld xmlns:a="http://schemas.openxmlformats.org/drawingml/2006/main" xmlns:r="http://schemas.openxmlformats.org/officeDocument/2006/relationships" xmlns:p="http://schemas.openxmlformats.org/presentationml/2006/main">
   <p:cSld>
     <p:spTree>
@@ -16025,7 +16269,7 @@
 </p:sld>
 </file>
 
-<file path=ppt/slides/slide31.xml><?xml version="1.0" encoding="utf-8"?>
+<file path=ppt/slides/slide32.xml><?xml version="1.0" encoding="utf-8"?>
 <p:sld xmlns:a="http://schemas.openxmlformats.org/drawingml/2006/main" xmlns:r="http://schemas.openxmlformats.org/officeDocument/2006/relationships" xmlns:p="http://schemas.openxmlformats.org/presentationml/2006/main">
   <p:cSld>
     <p:spTree>
@@ -16160,7 +16404,7 @@
 </p:sld>
 </file>
 
-<file path=ppt/slides/slide32.xml><?xml version="1.0" encoding="utf-8"?>
+<file path=ppt/slides/slide33.xml><?xml version="1.0" encoding="utf-8"?>
 <p:sld xmlns:a="http://schemas.openxmlformats.org/drawingml/2006/main" xmlns:r="http://schemas.openxmlformats.org/officeDocument/2006/relationships" xmlns:p="http://schemas.openxmlformats.org/presentationml/2006/main">
   <p:cSld>
     <p:spTree>
@@ -16367,7 +16611,7 @@
 </p:sld>
 </file>
 
-<file path=ppt/slides/slide33.xml><?xml version="1.0" encoding="utf-8"?>
+<file path=ppt/slides/slide34.xml><?xml version="1.0" encoding="utf-8"?>
 <p:sld xmlns:a="http://schemas.openxmlformats.org/drawingml/2006/main" xmlns:r="http://schemas.openxmlformats.org/officeDocument/2006/relationships" xmlns:p="http://schemas.openxmlformats.org/presentationml/2006/main">
   <p:cSld>
     <p:spTree>
@@ -16446,7 +16690,7 @@
 </p:sld>
 </file>
 
-<file path=ppt/slides/slide34.xml><?xml version="1.0" encoding="utf-8"?>
+<file path=ppt/slides/slide35.xml><?xml version="1.0" encoding="utf-8"?>
 <p:sld xmlns:a="http://schemas.openxmlformats.org/drawingml/2006/main" xmlns:r="http://schemas.openxmlformats.org/officeDocument/2006/relationships" xmlns:p="http://schemas.openxmlformats.org/presentationml/2006/main">
   <p:cSld>
     <p:spTree>
@@ -16507,7 +16751,7 @@
 </p:sld>
 </file>
 
-<file path=ppt/slides/slide35.xml><?xml version="1.0" encoding="utf-8"?>
+<file path=ppt/slides/slide36.xml><?xml version="1.0" encoding="utf-8"?>
 <p:sld xmlns:a="http://schemas.openxmlformats.org/drawingml/2006/main" xmlns:r="http://schemas.openxmlformats.org/officeDocument/2006/relationships" xmlns:p="http://schemas.openxmlformats.org/presentationml/2006/main">
   <p:cSld>
     <p:spTree>
@@ -16638,7 +16882,7 @@
 </p:sld>
 </file>
 
-<file path=ppt/slides/slide36.xml><?xml version="1.0" encoding="utf-8"?>
+<file path=ppt/slides/slide37.xml><?xml version="1.0" encoding="utf-8"?>
 <p:sld xmlns:a="http://schemas.openxmlformats.org/drawingml/2006/main" xmlns:r="http://schemas.openxmlformats.org/officeDocument/2006/relationships" xmlns:p="http://schemas.openxmlformats.org/presentationml/2006/main">
   <p:cSld>
     <p:spTree>
@@ -16717,7 +16961,7 @@
 </p:sld>
 </file>
 
-<file path=ppt/slides/slide37.xml><?xml version="1.0" encoding="utf-8"?>
+<file path=ppt/slides/slide38.xml><?xml version="1.0" encoding="utf-8"?>
 <p:sld xmlns:a="http://schemas.openxmlformats.org/drawingml/2006/main" xmlns:r="http://schemas.openxmlformats.org/officeDocument/2006/relationships" xmlns:p="http://schemas.openxmlformats.org/presentationml/2006/main">
   <p:cSld>
     <p:spTree>
@@ -18366,7 +18610,7 @@
 </p:sld>
 </file>
 
-<file path=ppt/slides/slide38.xml><?xml version="1.0" encoding="utf-8"?>
+<file path=ppt/slides/slide39.xml><?xml version="1.0" encoding="utf-8"?>
 <p:sld xmlns:a="http://schemas.openxmlformats.org/drawingml/2006/main" xmlns:r="http://schemas.openxmlformats.org/officeDocument/2006/relationships" xmlns:p="http://schemas.openxmlformats.org/presentationml/2006/main">
   <p:cSld>
     <p:spTree>
@@ -19760,547 +20004,6 @@
     <p:extLst>
       <p:ext uri="{BB962C8B-B14F-4D97-AF65-F5344CB8AC3E}">
         <p14:creationId xmlns:p14="http://schemas.microsoft.com/office/powerpoint/2010/main" val="875836411"/>
-      </p:ext>
-    </p:extLst>
-  </p:cSld>
-  <p:clrMapOvr>
-    <a:masterClrMapping/>
-  </p:clrMapOvr>
-  <p:timing>
-    <p:tnLst>
-      <p:par>
-        <p:cTn id="1" dur="indefinite" restart="never" nodeType="tmRoot"/>
-      </p:par>
-    </p:tnLst>
-  </p:timing>
-</p:sld>
-</file>
-
-<file path=ppt/slides/slide39.xml><?xml version="1.0" encoding="utf-8"?>
-<p:sld xmlns:a="http://schemas.openxmlformats.org/drawingml/2006/main" xmlns:r="http://schemas.openxmlformats.org/officeDocument/2006/relationships" xmlns:p="http://schemas.openxmlformats.org/presentationml/2006/main">
-  <p:cSld>
-    <p:spTree>
-      <p:nvGrpSpPr>
-        <p:cNvPr id="1" name=""/>
-        <p:cNvGrpSpPr/>
-        <p:nvPr/>
-      </p:nvGrpSpPr>
-      <p:grpSpPr>
-        <a:xfrm>
-          <a:off x="0" y="0"/>
-          <a:ext cx="0" cy="0"/>
-          <a:chOff x="0" y="0"/>
-          <a:chExt cx="0" cy="0"/>
-        </a:xfrm>
-      </p:grpSpPr>
-      <p:sp>
-        <p:nvSpPr>
-          <p:cNvPr id="2" name="Rectangle 1"/>
-          <p:cNvSpPr>
-            <a:spLocks noChangeArrowheads="1"/>
-          </p:cNvSpPr>
-          <p:nvPr/>
-        </p:nvSpPr>
-        <p:spPr bwMode="auto">
-          <a:xfrm>
-            <a:off x="478971" y="2574030"/>
-            <a:ext cx="11495315" cy="1938992"/>
-          </a:xfrm>
-          <a:prstGeom prst="rect">
-            <a:avLst/>
-          </a:prstGeom>
-          <a:solidFill>
-            <a:srgbClr val="FFFFFF"/>
-          </a:solidFill>
-          <a:ln>
-            <a:noFill/>
-          </a:ln>
-          <a:effectLst/>
-          <a:extLst>
-            <a:ext uri="{91240B29-F687-4F45-9708-019B960494DF}">
-              <a14:hiddenLine xmlns:a14="http://schemas.microsoft.com/office/drawing/2010/main" w="9525">
-                <a:solidFill>
-                  <a:schemeClr val="tx1"/>
-                </a:solidFill>
-                <a:miter lim="800000"/>
-                <a:headEnd/>
-                <a:tailEnd/>
-              </a14:hiddenLine>
-            </a:ext>
-            <a:ext uri="{AF507438-7753-43E0-B8FC-AC1667EBCBE1}">
-              <a14:hiddenEffects xmlns:a14="http://schemas.microsoft.com/office/drawing/2010/main">
-                <a:effectLst>
-                  <a:outerShdw dist="35921" dir="2700000" algn="ctr" rotWithShape="0">
-                    <a:schemeClr val="bg2"/>
-                  </a:outerShdw>
-                </a:effectLst>
-              </a14:hiddenEffects>
-            </a:ext>
-          </a:extLst>
-        </p:spPr>
-        <p:txBody>
-          <a:bodyPr vert="horz" wrap="square" lIns="91440" tIns="45720" rIns="91440" bIns="45720" numCol="1" anchor="ctr" anchorCtr="0" compatLnSpc="1">
-            <a:prstTxWarp prst="textNoShape">
-              <a:avLst/>
-            </a:prstTxWarp>
-            <a:spAutoFit/>
-          </a:bodyPr>
-          <a:lstStyle/>
-          <a:p>
-            <a:pPr marL="0" marR="0" lvl="0" indent="0" algn="l" defTabSz="914400" rtl="0" eaLnBrk="0" fontAlgn="base" latinLnBrk="0" hangingPunct="0">
-              <a:lnSpc>
-                <a:spcPct val="100000"/>
-              </a:lnSpc>
-              <a:spcBef>
-                <a:spcPct val="0"/>
-              </a:spcBef>
-              <a:spcAft>
-                <a:spcPct val="0"/>
-              </a:spcAft>
-              <a:buClrTx/>
-              <a:buSzTx/>
-              <a:buFontTx/>
-              <a:buNone/>
-              <a:tabLst/>
-            </a:pPr>
-            <a:r>
-              <a:rPr kumimoji="0" lang="ru-RU" altLang="ru-RU" sz="3000" b="1" i="0" u="none" strike="noStrike" cap="none" normalizeH="0" baseline="0" dirty="0" err="1" smtClean="0">
-                <a:ln>
-                  <a:noFill/>
-                </a:ln>
-                <a:solidFill>
-                  <a:srgbClr val="000080"/>
-                </a:solidFill>
-                <a:effectLst/>
-                <a:latin typeface="Consolas" panose="020B0609020204030204" pitchFamily="49" charset="0"/>
-              </a:rPr>
-              <a:t>private</a:t>
-            </a:r>
-            <a:r>
-              <a:rPr kumimoji="0" lang="ru-RU" altLang="ru-RU" sz="3000" b="1" i="0" u="none" strike="noStrike" cap="none" normalizeH="0" baseline="0" dirty="0" smtClean="0">
-                <a:ln>
-                  <a:noFill/>
-                </a:ln>
-                <a:solidFill>
-                  <a:srgbClr val="000080"/>
-                </a:solidFill>
-                <a:effectLst/>
-                <a:latin typeface="Consolas" panose="020B0609020204030204" pitchFamily="49" charset="0"/>
-              </a:rPr>
-              <a:t> </a:t>
-            </a:r>
-            <a:r>
-              <a:rPr kumimoji="0" lang="ru-RU" altLang="ru-RU" sz="3000" b="1" i="0" u="none" strike="noStrike" cap="none" normalizeH="0" baseline="0" dirty="0" err="1" smtClean="0">
-                <a:ln>
-                  <a:noFill/>
-                </a:ln>
-                <a:solidFill>
-                  <a:srgbClr val="000080"/>
-                </a:solidFill>
-                <a:effectLst/>
-                <a:latin typeface="Consolas" panose="020B0609020204030204" pitchFamily="49" charset="0"/>
-              </a:rPr>
-              <a:t>readonly</a:t>
-            </a:r>
-            <a:r>
-              <a:rPr kumimoji="0" lang="ru-RU" altLang="ru-RU" sz="3000" b="1" i="0" u="none" strike="noStrike" cap="none" normalizeH="0" baseline="0" dirty="0" smtClean="0">
-                <a:ln>
-                  <a:noFill/>
-                </a:ln>
-                <a:solidFill>
-                  <a:srgbClr val="000080"/>
-                </a:solidFill>
-                <a:effectLst/>
-                <a:latin typeface="Consolas" panose="020B0609020204030204" pitchFamily="49" charset="0"/>
-              </a:rPr>
-              <a:t> </a:t>
-            </a:r>
-            <a:r>
-              <a:rPr kumimoji="0" lang="ru-RU" altLang="ru-RU" sz="3000" b="1" i="0" u="none" strike="noStrike" cap="none" normalizeH="0" baseline="0" dirty="0" err="1" smtClean="0">
-                <a:ln>
-                  <a:noFill/>
-                </a:ln>
-                <a:solidFill>
-                  <a:srgbClr val="660E7A"/>
-                </a:solidFill>
-                <a:effectLst/>
-                <a:latin typeface="Consolas" panose="020B0609020204030204" pitchFamily="49" charset="0"/>
-              </a:rPr>
-              <a:t>signerRadioGroup</a:t>
-            </a:r>
-            <a:r>
-              <a:rPr kumimoji="0" lang="ru-RU" altLang="ru-RU" sz="3000" b="1" i="0" u="none" strike="noStrike" cap="none" normalizeH="0" baseline="0" dirty="0" smtClean="0">
-                <a:ln>
-                  <a:noFill/>
-                </a:ln>
-                <a:solidFill>
-                  <a:srgbClr val="660E7A"/>
-                </a:solidFill>
-                <a:effectLst/>
-                <a:latin typeface="Consolas" panose="020B0609020204030204" pitchFamily="49" charset="0"/>
-              </a:rPr>
-              <a:t> </a:t>
-            </a:r>
-            <a:r>
-              <a:rPr kumimoji="0" lang="ru-RU" altLang="ru-RU" sz="3000" b="0" i="0" u="none" strike="noStrike" cap="none" normalizeH="0" baseline="0" dirty="0" smtClean="0">
-                <a:ln>
-                  <a:noFill/>
-                </a:ln>
-                <a:solidFill>
-                  <a:srgbClr val="000000"/>
-                </a:solidFill>
-                <a:effectLst/>
-                <a:latin typeface="Consolas" panose="020B0609020204030204" pitchFamily="49" charset="0"/>
-              </a:rPr>
-              <a:t>=</a:t>
-            </a:r>
-            <a:br>
-              <a:rPr kumimoji="0" lang="ru-RU" altLang="ru-RU" sz="3000" b="0" i="0" u="none" strike="noStrike" cap="none" normalizeH="0" baseline="0" dirty="0" smtClean="0">
-                <a:ln>
-                  <a:noFill/>
-                </a:ln>
-                <a:solidFill>
-                  <a:srgbClr val="000000"/>
-                </a:solidFill>
-                <a:effectLst/>
-                <a:latin typeface="Consolas" panose="020B0609020204030204" pitchFamily="49" charset="0"/>
-              </a:rPr>
-            </a:br>
-            <a:r>
-              <a:rPr kumimoji="0" lang="ru-RU" altLang="ru-RU" sz="3000" b="0" i="0" u="none" strike="noStrike" cap="none" normalizeH="0" baseline="0" dirty="0" smtClean="0">
-                <a:ln>
-                  <a:noFill/>
-                </a:ln>
-                <a:solidFill>
-                  <a:srgbClr val="000000"/>
-                </a:solidFill>
-                <a:effectLst/>
-                <a:latin typeface="Consolas" panose="020B0609020204030204" pitchFamily="49" charset="0"/>
-              </a:rPr>
-              <a:t>    </a:t>
-            </a:r>
-            <a:r>
-              <a:rPr kumimoji="0" lang="ru-RU" altLang="ru-RU" sz="3000" b="0" i="1" u="none" strike="noStrike" cap="none" normalizeH="0" baseline="0" dirty="0" err="1" smtClean="0">
-                <a:ln>
-                  <a:noFill/>
-                </a:ln>
-                <a:solidFill>
-                  <a:srgbClr val="000000"/>
-                </a:solidFill>
-                <a:effectLst/>
-                <a:latin typeface="Consolas" panose="020B0609020204030204" pitchFamily="49" charset="0"/>
-              </a:rPr>
-              <a:t>boundedControl</a:t>
-            </a:r>
-            <a:r>
-              <a:rPr kumimoji="0" lang="ru-RU" altLang="ru-RU" sz="3000" b="0" i="0" u="none" strike="noStrike" cap="none" normalizeH="0" baseline="0" dirty="0" smtClean="0">
-                <a:ln>
-                  <a:noFill/>
-                </a:ln>
-                <a:solidFill>
-                  <a:srgbClr val="000000"/>
-                </a:solidFill>
-                <a:effectLst/>
-                <a:latin typeface="Consolas" panose="020B0609020204030204" pitchFamily="49" charset="0"/>
-              </a:rPr>
-              <a:t>(</a:t>
-            </a:r>
-            <a:r>
-              <a:rPr kumimoji="0" lang="ru-RU" altLang="ru-RU" sz="3000" b="0" i="1" u="none" strike="noStrike" cap="none" normalizeH="0" baseline="0" dirty="0" err="1" smtClean="0">
-                <a:ln>
-                  <a:noFill/>
-                </a:ln>
-                <a:solidFill>
-                  <a:srgbClr val="000000"/>
-                </a:solidFill>
-                <a:effectLst/>
-                <a:latin typeface="Consolas" panose="020B0609020204030204" pitchFamily="49" charset="0"/>
-              </a:rPr>
-              <a:t>RadioGroup</a:t>
-            </a:r>
-            <a:r>
-              <a:rPr kumimoji="0" lang="ru-RU" altLang="ru-RU" sz="3000" b="0" i="0" u="none" strike="noStrike" cap="none" normalizeH="0" baseline="0" dirty="0" smtClean="0">
-                <a:ln>
-                  <a:noFill/>
-                </a:ln>
-                <a:solidFill>
-                  <a:srgbClr val="000000"/>
-                </a:solidFill>
-                <a:effectLst/>
-                <a:latin typeface="Consolas" panose="020B0609020204030204" pitchFamily="49" charset="0"/>
-              </a:rPr>
-              <a:t>)</a:t>
-            </a:r>
-            <a:endParaRPr kumimoji="0" lang="en-US" altLang="ru-RU" sz="3000" b="0" i="0" u="none" strike="noStrike" cap="none" normalizeH="0" baseline="0" dirty="0" smtClean="0">
-              <a:ln>
-                <a:noFill/>
-              </a:ln>
-              <a:solidFill>
-                <a:srgbClr val="000000"/>
-              </a:solidFill>
-              <a:effectLst/>
-              <a:latin typeface="Consolas" panose="020B0609020204030204" pitchFamily="49" charset="0"/>
-            </a:endParaRPr>
-          </a:p>
-          <a:p>
-            <a:pPr marL="0" marR="0" lvl="0" indent="0" algn="l" defTabSz="914400" rtl="0" eaLnBrk="0" fontAlgn="base" latinLnBrk="0" hangingPunct="0">
-              <a:lnSpc>
-                <a:spcPct val="100000"/>
-              </a:lnSpc>
-              <a:spcBef>
-                <a:spcPct val="0"/>
-              </a:spcBef>
-              <a:spcAft>
-                <a:spcPct val="0"/>
-              </a:spcAft>
-              <a:buClrTx/>
-              <a:buSzTx/>
-              <a:buFontTx/>
-              <a:buNone/>
-              <a:tabLst/>
-            </a:pPr>
-            <a:r>
-              <a:rPr lang="en-US" altLang="ru-RU" sz="3000" dirty="0">
-                <a:solidFill>
-                  <a:srgbClr val="000000"/>
-                </a:solidFill>
-                <a:latin typeface="Consolas" panose="020B0609020204030204" pitchFamily="49" charset="0"/>
-              </a:rPr>
-              <a:t> </a:t>
-            </a:r>
-            <a:r>
-              <a:rPr lang="en-US" altLang="ru-RU" sz="3000" dirty="0" smtClean="0">
-                <a:solidFill>
-                  <a:srgbClr val="000000"/>
-                </a:solidFill>
-                <a:latin typeface="Consolas" panose="020B0609020204030204" pitchFamily="49" charset="0"/>
-              </a:rPr>
-              <a:t>       </a:t>
-            </a:r>
-            <a:r>
-              <a:rPr kumimoji="0" lang="ru-RU" altLang="ru-RU" sz="3000" b="0" i="0" u="none" strike="noStrike" cap="none" normalizeH="0" baseline="0" dirty="0" smtClean="0">
-                <a:ln>
-                  <a:noFill/>
-                </a:ln>
-                <a:solidFill>
-                  <a:srgbClr val="000000"/>
-                </a:solidFill>
-                <a:effectLst/>
-                <a:latin typeface="Consolas" panose="020B0609020204030204" pitchFamily="49" charset="0"/>
-              </a:rPr>
-              <a:t>.</a:t>
-            </a:r>
-            <a:r>
-              <a:rPr kumimoji="0" lang="ru-RU" altLang="ru-RU" sz="3000" b="0" i="0" u="none" strike="noStrike" cap="none" normalizeH="0" baseline="0" dirty="0" err="1" smtClean="0">
-                <a:ln>
-                  <a:noFill/>
-                </a:ln>
-                <a:solidFill>
-                  <a:srgbClr val="7A7A43"/>
-                </a:solidFill>
-                <a:effectLst/>
-                <a:latin typeface="Consolas" panose="020B0609020204030204" pitchFamily="49" charset="0"/>
-              </a:rPr>
-              <a:t>prop</a:t>
-            </a:r>
-            <a:r>
-              <a:rPr kumimoji="0" lang="ru-RU" altLang="ru-RU" sz="3000" b="0" i="0" u="none" strike="noStrike" cap="none" normalizeH="0" baseline="0" dirty="0" smtClean="0">
-                <a:ln>
-                  <a:noFill/>
-                </a:ln>
-                <a:solidFill>
-                  <a:srgbClr val="000000"/>
-                </a:solidFill>
-                <a:effectLst/>
-                <a:latin typeface="Consolas" panose="020B0609020204030204" pitchFamily="49" charset="0"/>
-              </a:rPr>
-              <a:t>(</a:t>
-            </a:r>
-            <a:r>
-              <a:rPr kumimoji="0" lang="ru-RU" altLang="ru-RU" sz="3000" b="1" i="0" u="none" strike="noStrike" cap="none" normalizeH="0" baseline="0" dirty="0" smtClean="0">
-                <a:ln>
-                  <a:noFill/>
-                </a:ln>
-                <a:solidFill>
-                  <a:srgbClr val="008000"/>
-                </a:solidFill>
-                <a:effectLst/>
-                <a:latin typeface="Consolas" panose="020B0609020204030204" pitchFamily="49" charset="0"/>
-              </a:rPr>
-              <a:t>"</a:t>
-            </a:r>
-            <a:r>
-              <a:rPr kumimoji="0" lang="ru-RU" altLang="ru-RU" sz="3000" b="1" i="0" u="none" strike="noStrike" cap="none" normalizeH="0" baseline="0" dirty="0" err="1" smtClean="0">
-                <a:ln>
-                  <a:noFill/>
-                </a:ln>
-                <a:solidFill>
-                  <a:srgbClr val="008000"/>
-                </a:solidFill>
-                <a:effectLst/>
-                <a:latin typeface="Consolas" panose="020B0609020204030204" pitchFamily="49" charset="0"/>
-              </a:rPr>
-              <a:t>bindingPath</a:t>
-            </a:r>
-            <a:r>
-              <a:rPr kumimoji="0" lang="ru-RU" altLang="ru-RU" sz="3000" b="1" i="0" u="none" strike="noStrike" cap="none" normalizeH="0" baseline="0" dirty="0" smtClean="0">
-                <a:ln>
-                  <a:noFill/>
-                </a:ln>
-                <a:solidFill>
-                  <a:srgbClr val="008000"/>
-                </a:solidFill>
-                <a:effectLst/>
-                <a:latin typeface="Consolas" panose="020B0609020204030204" pitchFamily="49" charset="0"/>
-              </a:rPr>
-              <a:t>"</a:t>
-            </a:r>
-            <a:r>
-              <a:rPr kumimoji="0" lang="ru-RU" altLang="ru-RU" sz="3000" b="0" i="0" u="none" strike="noStrike" cap="none" normalizeH="0" baseline="0" dirty="0" smtClean="0">
-                <a:ln>
-                  <a:noFill/>
-                </a:ln>
-                <a:solidFill>
-                  <a:srgbClr val="000000"/>
-                </a:solidFill>
-                <a:effectLst/>
-                <a:latin typeface="Consolas" panose="020B0609020204030204" pitchFamily="49" charset="0"/>
-              </a:rPr>
-              <a:t>, </a:t>
-            </a:r>
-            <a:r>
-              <a:rPr kumimoji="0" lang="ru-RU" altLang="ru-RU" sz="3000" b="1" i="0" u="none" strike="noStrike" cap="none" normalizeH="0" baseline="0" dirty="0" smtClean="0">
-                <a:ln>
-                  <a:noFill/>
-                </a:ln>
-                <a:solidFill>
-                  <a:srgbClr val="008000"/>
-                </a:solidFill>
-                <a:effectLst/>
-                <a:latin typeface="Consolas" panose="020B0609020204030204" pitchFamily="49" charset="0"/>
-              </a:rPr>
-              <a:t>"</a:t>
-            </a:r>
-            <a:r>
-              <a:rPr kumimoji="0" lang="ru-RU" altLang="ru-RU" sz="3000" b="1" i="0" u="none" strike="noStrike" cap="none" normalizeH="0" baseline="0" dirty="0" err="1" smtClean="0">
-                <a:ln>
-                  <a:noFill/>
-                </a:ln>
-                <a:solidFill>
-                  <a:srgbClr val="008000"/>
-                </a:solidFill>
-                <a:effectLst/>
-                <a:latin typeface="Consolas" panose="020B0609020204030204" pitchFamily="49" charset="0"/>
-              </a:rPr>
-              <a:t>ПрПодп</a:t>
-            </a:r>
-            <a:r>
-              <a:rPr kumimoji="0" lang="ru-RU" altLang="ru-RU" sz="3000" b="1" i="0" u="none" strike="noStrike" cap="none" normalizeH="0" baseline="0" dirty="0" smtClean="0">
-                <a:ln>
-                  <a:noFill/>
-                </a:ln>
-                <a:solidFill>
-                  <a:srgbClr val="008000"/>
-                </a:solidFill>
-                <a:effectLst/>
-                <a:latin typeface="Consolas" panose="020B0609020204030204" pitchFamily="49" charset="0"/>
-              </a:rPr>
-              <a:t>"</a:t>
-            </a:r>
-            <a:r>
-              <a:rPr kumimoji="0" lang="ru-RU" altLang="ru-RU" sz="3000" b="0" i="0" u="none" strike="noStrike" cap="none" normalizeH="0" baseline="0" dirty="0" smtClean="0">
-                <a:ln>
-                  <a:noFill/>
-                </a:ln>
-                <a:solidFill>
-                  <a:srgbClr val="000000"/>
-                </a:solidFill>
-                <a:effectLst/>
-                <a:latin typeface="Consolas" panose="020B0609020204030204" pitchFamily="49" charset="0"/>
-              </a:rPr>
-              <a:t>).</a:t>
-            </a:r>
-            <a:r>
-              <a:rPr kumimoji="0" lang="ru-RU" altLang="ru-RU" sz="3000" b="0" i="0" u="none" strike="noStrike" cap="none" normalizeH="0" baseline="0" dirty="0" err="1" smtClean="0">
-                <a:ln>
-                  <a:noFill/>
-                </a:ln>
-                <a:solidFill>
-                  <a:srgbClr val="7A7A43"/>
-                </a:solidFill>
-                <a:effectLst/>
-                <a:latin typeface="Consolas" panose="020B0609020204030204" pitchFamily="49" charset="0"/>
-              </a:rPr>
-              <a:t>in</a:t>
-            </a:r>
-            <a:r>
-              <a:rPr kumimoji="0" lang="ru-RU" altLang="ru-RU" sz="3000" b="0" i="0" u="none" strike="noStrike" cap="none" normalizeH="0" baseline="0" dirty="0" smtClean="0">
-                <a:ln>
-                  <a:noFill/>
-                </a:ln>
-                <a:solidFill>
-                  <a:srgbClr val="000000"/>
-                </a:solidFill>
-                <a:effectLst/>
-                <a:latin typeface="Consolas" panose="020B0609020204030204" pitchFamily="49" charset="0"/>
-              </a:rPr>
-              <a:t>(</a:t>
-            </a:r>
-            <a:r>
-              <a:rPr kumimoji="0" lang="ru-RU" altLang="ru-RU" sz="3000" b="1" i="0" u="none" strike="noStrike" cap="none" normalizeH="0" baseline="0" dirty="0" err="1" smtClean="0">
-                <a:ln>
-                  <a:noFill/>
-                </a:ln>
-                <a:solidFill>
-                  <a:srgbClr val="000080"/>
-                </a:solidFill>
-                <a:effectLst/>
-                <a:latin typeface="Consolas" panose="020B0609020204030204" pitchFamily="49" charset="0"/>
-              </a:rPr>
-              <a:t>this</a:t>
-            </a:r>
-            <a:r>
-              <a:rPr kumimoji="0" lang="ru-RU" altLang="ru-RU" sz="3000" b="0" i="0" u="none" strike="noStrike" cap="none" normalizeH="0" baseline="0" dirty="0" smtClean="0">
-                <a:ln>
-                  <a:noFill/>
-                </a:ln>
-                <a:solidFill>
-                  <a:srgbClr val="000000"/>
-                </a:solidFill>
-                <a:effectLst/>
-                <a:latin typeface="Consolas" panose="020B0609020204030204" pitchFamily="49" charset="0"/>
-              </a:rPr>
-              <a:t>);</a:t>
-            </a:r>
-            <a:br>
-              <a:rPr kumimoji="0" lang="ru-RU" altLang="ru-RU" sz="3000" b="0" i="0" u="none" strike="noStrike" cap="none" normalizeH="0" baseline="0" dirty="0" smtClean="0">
-                <a:ln>
-                  <a:noFill/>
-                </a:ln>
-                <a:solidFill>
-                  <a:srgbClr val="000000"/>
-                </a:solidFill>
-                <a:effectLst/>
-                <a:latin typeface="Consolas" panose="020B0609020204030204" pitchFamily="49" charset="0"/>
-              </a:rPr>
-            </a:br>
-            <a:endParaRPr kumimoji="0" lang="ru-RU" altLang="ru-RU" sz="3000" b="0" i="0" u="none" strike="noStrike" cap="none" normalizeH="0" baseline="0" dirty="0" smtClean="0">
-              <a:ln>
-                <a:noFill/>
-              </a:ln>
-              <a:solidFill>
-                <a:schemeClr val="tx1"/>
-              </a:solidFill>
-              <a:effectLst/>
-              <a:latin typeface="Consolas" panose="020B0609020204030204" pitchFamily="49" charset="0"/>
-            </a:endParaRPr>
-          </a:p>
-        </p:txBody>
-      </p:sp>
-    </p:spTree>
-    <p:extLst>
-      <p:ext uri="{BB962C8B-B14F-4D97-AF65-F5344CB8AC3E}">
-        <p14:creationId xmlns:p14="http://schemas.microsoft.com/office/powerpoint/2010/main" val="462832147"/>
       </p:ext>
     </p:extLst>
   </p:cSld>
@@ -20925,6 +20628,547 @@
           </a:p>
         </p:txBody>
       </p:sp>
+    </p:spTree>
+    <p:extLst>
+      <p:ext uri="{BB962C8B-B14F-4D97-AF65-F5344CB8AC3E}">
+        <p14:creationId xmlns:p14="http://schemas.microsoft.com/office/powerpoint/2010/main" val="462832147"/>
+      </p:ext>
+    </p:extLst>
+  </p:cSld>
+  <p:clrMapOvr>
+    <a:masterClrMapping/>
+  </p:clrMapOvr>
+  <p:timing>
+    <p:tnLst>
+      <p:par>
+        <p:cTn id="1" dur="indefinite" restart="never" nodeType="tmRoot"/>
+      </p:par>
+    </p:tnLst>
+  </p:timing>
+</p:sld>
+</file>
+
+<file path=ppt/slides/slide41.xml><?xml version="1.0" encoding="utf-8"?>
+<p:sld xmlns:a="http://schemas.openxmlformats.org/drawingml/2006/main" xmlns:r="http://schemas.openxmlformats.org/officeDocument/2006/relationships" xmlns:p="http://schemas.openxmlformats.org/presentationml/2006/main">
+  <p:cSld>
+    <p:spTree>
+      <p:nvGrpSpPr>
+        <p:cNvPr id="1" name=""/>
+        <p:cNvGrpSpPr/>
+        <p:nvPr/>
+      </p:nvGrpSpPr>
+      <p:grpSpPr>
+        <a:xfrm>
+          <a:off x="0" y="0"/>
+          <a:ext cx="0" cy="0"/>
+          <a:chOff x="0" y="0"/>
+          <a:chExt cx="0" cy="0"/>
+        </a:xfrm>
+      </p:grpSpPr>
+      <p:sp>
+        <p:nvSpPr>
+          <p:cNvPr id="2" name="Rectangle 1"/>
+          <p:cNvSpPr>
+            <a:spLocks noChangeArrowheads="1"/>
+          </p:cNvSpPr>
+          <p:nvPr/>
+        </p:nvSpPr>
+        <p:spPr bwMode="auto">
+          <a:xfrm>
+            <a:off x="478971" y="2574030"/>
+            <a:ext cx="11495315" cy="1938992"/>
+          </a:xfrm>
+          <a:prstGeom prst="rect">
+            <a:avLst/>
+          </a:prstGeom>
+          <a:solidFill>
+            <a:srgbClr val="FFFFFF"/>
+          </a:solidFill>
+          <a:ln>
+            <a:noFill/>
+          </a:ln>
+          <a:effectLst/>
+          <a:extLst>
+            <a:ext uri="{91240B29-F687-4F45-9708-019B960494DF}">
+              <a14:hiddenLine xmlns:a14="http://schemas.microsoft.com/office/drawing/2010/main" w="9525">
+                <a:solidFill>
+                  <a:schemeClr val="tx1"/>
+                </a:solidFill>
+                <a:miter lim="800000"/>
+                <a:headEnd/>
+                <a:tailEnd/>
+              </a14:hiddenLine>
+            </a:ext>
+            <a:ext uri="{AF507438-7753-43E0-B8FC-AC1667EBCBE1}">
+              <a14:hiddenEffects xmlns:a14="http://schemas.microsoft.com/office/drawing/2010/main">
+                <a:effectLst>
+                  <a:outerShdw dist="35921" dir="2700000" algn="ctr" rotWithShape="0">
+                    <a:schemeClr val="bg2"/>
+                  </a:outerShdw>
+                </a:effectLst>
+              </a14:hiddenEffects>
+            </a:ext>
+          </a:extLst>
+        </p:spPr>
+        <p:txBody>
+          <a:bodyPr vert="horz" wrap="square" lIns="91440" tIns="45720" rIns="91440" bIns="45720" numCol="1" anchor="ctr" anchorCtr="0" compatLnSpc="1">
+            <a:prstTxWarp prst="textNoShape">
+              <a:avLst/>
+            </a:prstTxWarp>
+            <a:spAutoFit/>
+          </a:bodyPr>
+          <a:lstStyle/>
+          <a:p>
+            <a:pPr marL="0" marR="0" lvl="0" indent="0" algn="l" defTabSz="914400" rtl="0" eaLnBrk="0" fontAlgn="base" latinLnBrk="0" hangingPunct="0">
+              <a:lnSpc>
+                <a:spcPct val="100000"/>
+              </a:lnSpc>
+              <a:spcBef>
+                <a:spcPct val="0"/>
+              </a:spcBef>
+              <a:spcAft>
+                <a:spcPct val="0"/>
+              </a:spcAft>
+              <a:buClrTx/>
+              <a:buSzTx/>
+              <a:buFontTx/>
+              <a:buNone/>
+              <a:tabLst/>
+            </a:pPr>
+            <a:r>
+              <a:rPr kumimoji="0" lang="ru-RU" altLang="ru-RU" sz="3000" b="1" i="0" u="none" strike="noStrike" cap="none" normalizeH="0" baseline="0" dirty="0" err="1" smtClean="0">
+                <a:ln>
+                  <a:noFill/>
+                </a:ln>
+                <a:solidFill>
+                  <a:srgbClr val="000080"/>
+                </a:solidFill>
+                <a:effectLst/>
+                <a:latin typeface="Consolas" panose="020B0609020204030204" pitchFamily="49" charset="0"/>
+              </a:rPr>
+              <a:t>private</a:t>
+            </a:r>
+            <a:r>
+              <a:rPr kumimoji="0" lang="ru-RU" altLang="ru-RU" sz="3000" b="1" i="0" u="none" strike="noStrike" cap="none" normalizeH="0" baseline="0" dirty="0" smtClean="0">
+                <a:ln>
+                  <a:noFill/>
+                </a:ln>
+                <a:solidFill>
+                  <a:srgbClr val="000080"/>
+                </a:solidFill>
+                <a:effectLst/>
+                <a:latin typeface="Consolas" panose="020B0609020204030204" pitchFamily="49" charset="0"/>
+              </a:rPr>
+              <a:t> </a:t>
+            </a:r>
+            <a:r>
+              <a:rPr kumimoji="0" lang="ru-RU" altLang="ru-RU" sz="3000" b="1" i="0" u="none" strike="noStrike" cap="none" normalizeH="0" baseline="0" dirty="0" err="1" smtClean="0">
+                <a:ln>
+                  <a:noFill/>
+                </a:ln>
+                <a:solidFill>
+                  <a:srgbClr val="000080"/>
+                </a:solidFill>
+                <a:effectLst/>
+                <a:latin typeface="Consolas" panose="020B0609020204030204" pitchFamily="49" charset="0"/>
+              </a:rPr>
+              <a:t>readonly</a:t>
+            </a:r>
+            <a:r>
+              <a:rPr kumimoji="0" lang="ru-RU" altLang="ru-RU" sz="3000" b="1" i="0" u="none" strike="noStrike" cap="none" normalizeH="0" baseline="0" dirty="0" smtClean="0">
+                <a:ln>
+                  <a:noFill/>
+                </a:ln>
+                <a:solidFill>
+                  <a:srgbClr val="000080"/>
+                </a:solidFill>
+                <a:effectLst/>
+                <a:latin typeface="Consolas" panose="020B0609020204030204" pitchFamily="49" charset="0"/>
+              </a:rPr>
+              <a:t> </a:t>
+            </a:r>
+            <a:r>
+              <a:rPr kumimoji="0" lang="ru-RU" altLang="ru-RU" sz="3000" b="1" i="0" u="none" strike="noStrike" cap="none" normalizeH="0" baseline="0" dirty="0" err="1" smtClean="0">
+                <a:ln>
+                  <a:noFill/>
+                </a:ln>
+                <a:solidFill>
+                  <a:srgbClr val="660E7A"/>
+                </a:solidFill>
+                <a:effectLst/>
+                <a:latin typeface="Consolas" panose="020B0609020204030204" pitchFamily="49" charset="0"/>
+              </a:rPr>
+              <a:t>signerRadioGroup</a:t>
+            </a:r>
+            <a:r>
+              <a:rPr kumimoji="0" lang="ru-RU" altLang="ru-RU" sz="3000" b="1" i="0" u="none" strike="noStrike" cap="none" normalizeH="0" baseline="0" dirty="0" smtClean="0">
+                <a:ln>
+                  <a:noFill/>
+                </a:ln>
+                <a:solidFill>
+                  <a:srgbClr val="660E7A"/>
+                </a:solidFill>
+                <a:effectLst/>
+                <a:latin typeface="Consolas" panose="020B0609020204030204" pitchFamily="49" charset="0"/>
+              </a:rPr>
+              <a:t> </a:t>
+            </a:r>
+            <a:r>
+              <a:rPr kumimoji="0" lang="ru-RU" altLang="ru-RU" sz="3000" b="0" i="0" u="none" strike="noStrike" cap="none" normalizeH="0" baseline="0" dirty="0" smtClean="0">
+                <a:ln>
+                  <a:noFill/>
+                </a:ln>
+                <a:solidFill>
+                  <a:srgbClr val="000000"/>
+                </a:solidFill>
+                <a:effectLst/>
+                <a:latin typeface="Consolas" panose="020B0609020204030204" pitchFamily="49" charset="0"/>
+              </a:rPr>
+              <a:t>=</a:t>
+            </a:r>
+            <a:br>
+              <a:rPr kumimoji="0" lang="ru-RU" altLang="ru-RU" sz="3000" b="0" i="0" u="none" strike="noStrike" cap="none" normalizeH="0" baseline="0" dirty="0" smtClean="0">
+                <a:ln>
+                  <a:noFill/>
+                </a:ln>
+                <a:solidFill>
+                  <a:srgbClr val="000000"/>
+                </a:solidFill>
+                <a:effectLst/>
+                <a:latin typeface="Consolas" panose="020B0609020204030204" pitchFamily="49" charset="0"/>
+              </a:rPr>
+            </a:br>
+            <a:r>
+              <a:rPr kumimoji="0" lang="ru-RU" altLang="ru-RU" sz="3000" b="0" i="0" u="none" strike="noStrike" cap="none" normalizeH="0" baseline="0" dirty="0" smtClean="0">
+                <a:ln>
+                  <a:noFill/>
+                </a:ln>
+                <a:solidFill>
+                  <a:srgbClr val="000000"/>
+                </a:solidFill>
+                <a:effectLst/>
+                <a:latin typeface="Consolas" panose="020B0609020204030204" pitchFamily="49" charset="0"/>
+              </a:rPr>
+              <a:t>    </a:t>
+            </a:r>
+            <a:r>
+              <a:rPr kumimoji="0" lang="ru-RU" altLang="ru-RU" sz="3000" b="0" i="1" u="none" strike="noStrike" cap="none" normalizeH="0" baseline="0" dirty="0" err="1" smtClean="0">
+                <a:ln>
+                  <a:noFill/>
+                </a:ln>
+                <a:solidFill>
+                  <a:srgbClr val="000000"/>
+                </a:solidFill>
+                <a:effectLst/>
+                <a:latin typeface="Consolas" panose="020B0609020204030204" pitchFamily="49" charset="0"/>
+              </a:rPr>
+              <a:t>boundedControl</a:t>
+            </a:r>
+            <a:r>
+              <a:rPr kumimoji="0" lang="ru-RU" altLang="ru-RU" sz="3000" b="0" i="0" u="none" strike="noStrike" cap="none" normalizeH="0" baseline="0" dirty="0" smtClean="0">
+                <a:ln>
+                  <a:noFill/>
+                </a:ln>
+                <a:solidFill>
+                  <a:srgbClr val="000000"/>
+                </a:solidFill>
+                <a:effectLst/>
+                <a:latin typeface="Consolas" panose="020B0609020204030204" pitchFamily="49" charset="0"/>
+              </a:rPr>
+              <a:t>(</a:t>
+            </a:r>
+            <a:r>
+              <a:rPr kumimoji="0" lang="ru-RU" altLang="ru-RU" sz="3000" b="0" i="1" u="none" strike="noStrike" cap="none" normalizeH="0" baseline="0" dirty="0" err="1" smtClean="0">
+                <a:ln>
+                  <a:noFill/>
+                </a:ln>
+                <a:solidFill>
+                  <a:srgbClr val="000000"/>
+                </a:solidFill>
+                <a:effectLst/>
+                <a:latin typeface="Consolas" panose="020B0609020204030204" pitchFamily="49" charset="0"/>
+              </a:rPr>
+              <a:t>RadioGroup</a:t>
+            </a:r>
+            <a:r>
+              <a:rPr kumimoji="0" lang="ru-RU" altLang="ru-RU" sz="3000" b="0" i="0" u="none" strike="noStrike" cap="none" normalizeH="0" baseline="0" dirty="0" smtClean="0">
+                <a:ln>
+                  <a:noFill/>
+                </a:ln>
+                <a:solidFill>
+                  <a:srgbClr val="000000"/>
+                </a:solidFill>
+                <a:effectLst/>
+                <a:latin typeface="Consolas" panose="020B0609020204030204" pitchFamily="49" charset="0"/>
+              </a:rPr>
+              <a:t>)</a:t>
+            </a:r>
+            <a:endParaRPr kumimoji="0" lang="en-US" altLang="ru-RU" sz="3000" b="0" i="0" u="none" strike="noStrike" cap="none" normalizeH="0" baseline="0" dirty="0" smtClean="0">
+              <a:ln>
+                <a:noFill/>
+              </a:ln>
+              <a:solidFill>
+                <a:srgbClr val="000000"/>
+              </a:solidFill>
+              <a:effectLst/>
+              <a:latin typeface="Consolas" panose="020B0609020204030204" pitchFamily="49" charset="0"/>
+            </a:endParaRPr>
+          </a:p>
+          <a:p>
+            <a:pPr marL="0" marR="0" lvl="0" indent="0" algn="l" defTabSz="914400" rtl="0" eaLnBrk="0" fontAlgn="base" latinLnBrk="0" hangingPunct="0">
+              <a:lnSpc>
+                <a:spcPct val="100000"/>
+              </a:lnSpc>
+              <a:spcBef>
+                <a:spcPct val="0"/>
+              </a:spcBef>
+              <a:spcAft>
+                <a:spcPct val="0"/>
+              </a:spcAft>
+              <a:buClrTx/>
+              <a:buSzTx/>
+              <a:buFontTx/>
+              <a:buNone/>
+              <a:tabLst/>
+            </a:pPr>
+            <a:r>
+              <a:rPr lang="en-US" altLang="ru-RU" sz="3000" dirty="0">
+                <a:solidFill>
+                  <a:srgbClr val="000000"/>
+                </a:solidFill>
+                <a:latin typeface="Consolas" panose="020B0609020204030204" pitchFamily="49" charset="0"/>
+              </a:rPr>
+              <a:t> </a:t>
+            </a:r>
+            <a:r>
+              <a:rPr lang="en-US" altLang="ru-RU" sz="3000" dirty="0" smtClean="0">
+                <a:solidFill>
+                  <a:srgbClr val="000000"/>
+                </a:solidFill>
+                <a:latin typeface="Consolas" panose="020B0609020204030204" pitchFamily="49" charset="0"/>
+              </a:rPr>
+              <a:t>       </a:t>
+            </a:r>
+            <a:r>
+              <a:rPr kumimoji="0" lang="ru-RU" altLang="ru-RU" sz="3000" b="0" i="0" u="none" strike="noStrike" cap="none" normalizeH="0" baseline="0" dirty="0" smtClean="0">
+                <a:ln>
+                  <a:noFill/>
+                </a:ln>
+                <a:solidFill>
+                  <a:srgbClr val="000000"/>
+                </a:solidFill>
+                <a:effectLst/>
+                <a:latin typeface="Consolas" panose="020B0609020204030204" pitchFamily="49" charset="0"/>
+              </a:rPr>
+              <a:t>.</a:t>
+            </a:r>
+            <a:r>
+              <a:rPr kumimoji="0" lang="ru-RU" altLang="ru-RU" sz="3000" b="0" i="0" u="none" strike="noStrike" cap="none" normalizeH="0" baseline="0" dirty="0" err="1" smtClean="0">
+                <a:ln>
+                  <a:noFill/>
+                </a:ln>
+                <a:solidFill>
+                  <a:srgbClr val="7A7A43"/>
+                </a:solidFill>
+                <a:effectLst/>
+                <a:latin typeface="Consolas" panose="020B0609020204030204" pitchFamily="49" charset="0"/>
+              </a:rPr>
+              <a:t>prop</a:t>
+            </a:r>
+            <a:r>
+              <a:rPr kumimoji="0" lang="ru-RU" altLang="ru-RU" sz="3000" b="0" i="0" u="none" strike="noStrike" cap="none" normalizeH="0" baseline="0" dirty="0" smtClean="0">
+                <a:ln>
+                  <a:noFill/>
+                </a:ln>
+                <a:solidFill>
+                  <a:srgbClr val="000000"/>
+                </a:solidFill>
+                <a:effectLst/>
+                <a:latin typeface="Consolas" panose="020B0609020204030204" pitchFamily="49" charset="0"/>
+              </a:rPr>
+              <a:t>(</a:t>
+            </a:r>
+            <a:r>
+              <a:rPr kumimoji="0" lang="ru-RU" altLang="ru-RU" sz="3000" b="1" i="0" u="none" strike="noStrike" cap="none" normalizeH="0" baseline="0" dirty="0" smtClean="0">
+                <a:ln>
+                  <a:noFill/>
+                </a:ln>
+                <a:solidFill>
+                  <a:srgbClr val="008000"/>
+                </a:solidFill>
+                <a:effectLst/>
+                <a:latin typeface="Consolas" panose="020B0609020204030204" pitchFamily="49" charset="0"/>
+              </a:rPr>
+              <a:t>"</a:t>
+            </a:r>
+            <a:r>
+              <a:rPr kumimoji="0" lang="ru-RU" altLang="ru-RU" sz="3000" b="1" i="0" u="none" strike="noStrike" cap="none" normalizeH="0" baseline="0" dirty="0" err="1" smtClean="0">
+                <a:ln>
+                  <a:noFill/>
+                </a:ln>
+                <a:solidFill>
+                  <a:srgbClr val="008000"/>
+                </a:solidFill>
+                <a:effectLst/>
+                <a:latin typeface="Consolas" panose="020B0609020204030204" pitchFamily="49" charset="0"/>
+              </a:rPr>
+              <a:t>bindingPath</a:t>
+            </a:r>
+            <a:r>
+              <a:rPr kumimoji="0" lang="ru-RU" altLang="ru-RU" sz="3000" b="1" i="0" u="none" strike="noStrike" cap="none" normalizeH="0" baseline="0" dirty="0" smtClean="0">
+                <a:ln>
+                  <a:noFill/>
+                </a:ln>
+                <a:solidFill>
+                  <a:srgbClr val="008000"/>
+                </a:solidFill>
+                <a:effectLst/>
+                <a:latin typeface="Consolas" panose="020B0609020204030204" pitchFamily="49" charset="0"/>
+              </a:rPr>
+              <a:t>"</a:t>
+            </a:r>
+            <a:r>
+              <a:rPr kumimoji="0" lang="ru-RU" altLang="ru-RU" sz="3000" b="0" i="0" u="none" strike="noStrike" cap="none" normalizeH="0" baseline="0" dirty="0" smtClean="0">
+                <a:ln>
+                  <a:noFill/>
+                </a:ln>
+                <a:solidFill>
+                  <a:srgbClr val="000000"/>
+                </a:solidFill>
+                <a:effectLst/>
+                <a:latin typeface="Consolas" panose="020B0609020204030204" pitchFamily="49" charset="0"/>
+              </a:rPr>
+              <a:t>, </a:t>
+            </a:r>
+            <a:r>
+              <a:rPr kumimoji="0" lang="ru-RU" altLang="ru-RU" sz="3000" b="1" i="0" u="none" strike="noStrike" cap="none" normalizeH="0" baseline="0" dirty="0" smtClean="0">
+                <a:ln>
+                  <a:noFill/>
+                </a:ln>
+                <a:solidFill>
+                  <a:srgbClr val="008000"/>
+                </a:solidFill>
+                <a:effectLst/>
+                <a:latin typeface="Consolas" panose="020B0609020204030204" pitchFamily="49" charset="0"/>
+              </a:rPr>
+              <a:t>"</a:t>
+            </a:r>
+            <a:r>
+              <a:rPr kumimoji="0" lang="ru-RU" altLang="ru-RU" sz="3000" b="1" i="0" u="none" strike="noStrike" cap="none" normalizeH="0" baseline="0" dirty="0" err="1" smtClean="0">
+                <a:ln>
+                  <a:noFill/>
+                </a:ln>
+                <a:solidFill>
+                  <a:srgbClr val="008000"/>
+                </a:solidFill>
+                <a:effectLst/>
+                <a:latin typeface="Consolas" panose="020B0609020204030204" pitchFamily="49" charset="0"/>
+              </a:rPr>
+              <a:t>ПрПодп</a:t>
+            </a:r>
+            <a:r>
+              <a:rPr kumimoji="0" lang="ru-RU" altLang="ru-RU" sz="3000" b="1" i="0" u="none" strike="noStrike" cap="none" normalizeH="0" baseline="0" dirty="0" smtClean="0">
+                <a:ln>
+                  <a:noFill/>
+                </a:ln>
+                <a:solidFill>
+                  <a:srgbClr val="008000"/>
+                </a:solidFill>
+                <a:effectLst/>
+                <a:latin typeface="Consolas" panose="020B0609020204030204" pitchFamily="49" charset="0"/>
+              </a:rPr>
+              <a:t>"</a:t>
+            </a:r>
+            <a:r>
+              <a:rPr kumimoji="0" lang="ru-RU" altLang="ru-RU" sz="3000" b="0" i="0" u="none" strike="noStrike" cap="none" normalizeH="0" baseline="0" dirty="0" smtClean="0">
+                <a:ln>
+                  <a:noFill/>
+                </a:ln>
+                <a:solidFill>
+                  <a:srgbClr val="000000"/>
+                </a:solidFill>
+                <a:effectLst/>
+                <a:latin typeface="Consolas" panose="020B0609020204030204" pitchFamily="49" charset="0"/>
+              </a:rPr>
+              <a:t>).</a:t>
+            </a:r>
+            <a:r>
+              <a:rPr kumimoji="0" lang="ru-RU" altLang="ru-RU" sz="3000" b="0" i="0" u="none" strike="noStrike" cap="none" normalizeH="0" baseline="0" dirty="0" err="1" smtClean="0">
+                <a:ln>
+                  <a:noFill/>
+                </a:ln>
+                <a:solidFill>
+                  <a:srgbClr val="7A7A43"/>
+                </a:solidFill>
+                <a:effectLst/>
+                <a:latin typeface="Consolas" panose="020B0609020204030204" pitchFamily="49" charset="0"/>
+              </a:rPr>
+              <a:t>in</a:t>
+            </a:r>
+            <a:r>
+              <a:rPr kumimoji="0" lang="ru-RU" altLang="ru-RU" sz="3000" b="0" i="0" u="none" strike="noStrike" cap="none" normalizeH="0" baseline="0" dirty="0" smtClean="0">
+                <a:ln>
+                  <a:noFill/>
+                </a:ln>
+                <a:solidFill>
+                  <a:srgbClr val="000000"/>
+                </a:solidFill>
+                <a:effectLst/>
+                <a:latin typeface="Consolas" panose="020B0609020204030204" pitchFamily="49" charset="0"/>
+              </a:rPr>
+              <a:t>(</a:t>
+            </a:r>
+            <a:r>
+              <a:rPr kumimoji="0" lang="ru-RU" altLang="ru-RU" sz="3000" b="1" i="0" u="none" strike="noStrike" cap="none" normalizeH="0" baseline="0" dirty="0" err="1" smtClean="0">
+                <a:ln>
+                  <a:noFill/>
+                </a:ln>
+                <a:solidFill>
+                  <a:srgbClr val="000080"/>
+                </a:solidFill>
+                <a:effectLst/>
+                <a:latin typeface="Consolas" panose="020B0609020204030204" pitchFamily="49" charset="0"/>
+              </a:rPr>
+              <a:t>this</a:t>
+            </a:r>
+            <a:r>
+              <a:rPr kumimoji="0" lang="ru-RU" altLang="ru-RU" sz="3000" b="0" i="0" u="none" strike="noStrike" cap="none" normalizeH="0" baseline="0" dirty="0" smtClean="0">
+                <a:ln>
+                  <a:noFill/>
+                </a:ln>
+                <a:solidFill>
+                  <a:srgbClr val="000000"/>
+                </a:solidFill>
+                <a:effectLst/>
+                <a:latin typeface="Consolas" panose="020B0609020204030204" pitchFamily="49" charset="0"/>
+              </a:rPr>
+              <a:t>);</a:t>
+            </a:r>
+            <a:br>
+              <a:rPr kumimoji="0" lang="ru-RU" altLang="ru-RU" sz="3000" b="0" i="0" u="none" strike="noStrike" cap="none" normalizeH="0" baseline="0" dirty="0" smtClean="0">
+                <a:ln>
+                  <a:noFill/>
+                </a:ln>
+                <a:solidFill>
+                  <a:srgbClr val="000000"/>
+                </a:solidFill>
+                <a:effectLst/>
+                <a:latin typeface="Consolas" panose="020B0609020204030204" pitchFamily="49" charset="0"/>
+              </a:rPr>
+            </a:br>
+            <a:endParaRPr kumimoji="0" lang="ru-RU" altLang="ru-RU" sz="3000" b="0" i="0" u="none" strike="noStrike" cap="none" normalizeH="0" baseline="0" dirty="0" smtClean="0">
+              <a:ln>
+                <a:noFill/>
+              </a:ln>
+              <a:solidFill>
+                <a:schemeClr val="tx1"/>
+              </a:solidFill>
+              <a:effectLst/>
+              <a:latin typeface="Consolas" panose="020B0609020204030204" pitchFamily="49" charset="0"/>
+            </a:endParaRPr>
+          </a:p>
+        </p:txBody>
+      </p:sp>
       <p:sp>
         <p:nvSpPr>
           <p:cNvPr id="3" name="Овал 2"/>
@@ -20995,7 +21239,7 @@
 </p:sld>
 </file>
 
-<file path=ppt/slides/slide41.xml><?xml version="1.0" encoding="utf-8"?>
+<file path=ppt/slides/slide42.xml><?xml version="1.0" encoding="utf-8"?>
 <p:sld xmlns:a="http://schemas.openxmlformats.org/drawingml/2006/main" xmlns:r="http://schemas.openxmlformats.org/officeDocument/2006/relationships" xmlns:p="http://schemas.openxmlformats.org/presentationml/2006/main">
   <p:cSld>
     <p:spTree>
@@ -21586,7 +21830,7 @@
 </p:sld>
 </file>
 
-<file path=ppt/slides/slide42.xml><?xml version="1.0" encoding="utf-8"?>
+<file path=ppt/slides/slide43.xml><?xml version="1.0" encoding="utf-8"?>
 <p:sld xmlns:a="http://schemas.openxmlformats.org/drawingml/2006/main" xmlns:r="http://schemas.openxmlformats.org/officeDocument/2006/relationships" xmlns:p="http://schemas.openxmlformats.org/presentationml/2006/main">
   <p:cSld>
     <p:spTree>
@@ -22207,7 +22451,7 @@
 </p:sld>
 </file>
 
-<file path=ppt/slides/slide43.xml><?xml version="1.0" encoding="utf-8"?>
+<file path=ppt/slides/slide44.xml><?xml version="1.0" encoding="utf-8"?>
 <p:sld xmlns:a="http://schemas.openxmlformats.org/drawingml/2006/main" xmlns:r="http://schemas.openxmlformats.org/officeDocument/2006/relationships" xmlns:p="http://schemas.openxmlformats.org/presentationml/2006/main">
   <p:cSld>
     <p:spTree>
@@ -22309,7 +22553,7 @@
 </p:sld>
 </file>
 
-<file path=ppt/slides/slide44.xml><?xml version="1.0" encoding="utf-8"?>
+<file path=ppt/slides/slide45.xml><?xml version="1.0" encoding="utf-8"?>
 <p:sld xmlns:a="http://schemas.openxmlformats.org/drawingml/2006/main" xmlns:r="http://schemas.openxmlformats.org/officeDocument/2006/relationships" xmlns:p="http://schemas.openxmlformats.org/presentationml/2006/main">
   <p:cSld>
     <p:spTree>
@@ -22355,7 +22599,6 @@
               <a:rPr lang="en-US" sz="4800" dirty="0" smtClean="0"/>
               <a:t>react-test-selector.github.io</a:t>
             </a:r>
-            <a:endParaRPr lang="en-US" sz="4800" dirty="0" smtClean="0"/>
           </a:p>
         </p:txBody>
       </p:sp>
@@ -22420,7 +22663,7 @@
 </p:sld>
 </file>
 
-<file path=ppt/slides/slide45.xml><?xml version="1.0" encoding="utf-8"?>
+<file path=ppt/slides/slide46.xml><?xml version="1.0" encoding="utf-8"?>
 <p:sld xmlns:a="http://schemas.openxmlformats.org/drawingml/2006/main" xmlns:r="http://schemas.openxmlformats.org/officeDocument/2006/relationships" xmlns:p="http://schemas.openxmlformats.org/presentationml/2006/main">
   <p:cSld>
     <p:spTree>
@@ -22588,7 +22831,7 @@
 </p:sld>
 </file>
 
-<file path=ppt/slides/slide46.xml><?xml version="1.0" encoding="utf-8"?>
+<file path=ppt/slides/slide47.xml><?xml version="1.0" encoding="utf-8"?>
 <p:sld xmlns:a="http://schemas.openxmlformats.org/drawingml/2006/main" xmlns:r="http://schemas.openxmlformats.org/officeDocument/2006/relationships" xmlns:p="http://schemas.openxmlformats.org/presentationml/2006/main">
   <p:cSld>
     <p:spTree>
@@ -22634,7 +22877,6 @@
               <a:rPr lang="en-US" sz="4800" dirty="0" smtClean="0"/>
               <a:t>react-test-selector.github.io</a:t>
             </a:r>
-            <a:endParaRPr lang="en-US" sz="4800" dirty="0" smtClean="0"/>
           </a:p>
         </p:txBody>
       </p:sp>
